--- a/Erarbeitung einer Konferenzwebsite.pptx
+++ b/Erarbeitung einer Konferenzwebsite.pptx
@@ -16,7 +16,7 @@
   <p:notesSz cx="6858000" cy="9144000"/>
   <p:embeddedFontLst>
     <p:embeddedFont>
-      <p:font typeface="Oswald" panose="02000503000000000000" pitchFamily="2" charset="0"/>
+      <p:font typeface="Calibri" panose="020F0502020204030204" pitchFamily="34" charset="0"/>
       <p:regular r:id="rId6"/>
       <p:bold r:id="rId7"/>
       <p:italic r:id="rId8"/>
@@ -28,15 +28,15 @@
       <p:italic r:id="rId11"/>
     </p:embeddedFont>
     <p:embeddedFont>
-      <p:font typeface="Calibri" panose="020F0502020204030204" pitchFamily="34" charset="0"/>
+      <p:font typeface="Oswald Regular" panose="02000503000000000000" pitchFamily="2" charset="0"/>
       <p:regular r:id="rId12"/>
-      <p:bold r:id="rId13"/>
-      <p:italic r:id="rId14"/>
-      <p:boldItalic r:id="rId15"/>
     </p:embeddedFont>
     <p:embeddedFont>
-      <p:font typeface="Oswald Regular" panose="02000503000000000000" pitchFamily="2" charset="0"/>
-      <p:regular r:id="rId16"/>
+      <p:font typeface="Oswald" panose="02000503000000000000" pitchFamily="2" charset="0"/>
+      <p:regular r:id="rId13"/>
+      <p:bold r:id="rId14"/>
+      <p:italic r:id="rId15"/>
+      <p:boldItalic r:id="rId16"/>
     </p:embeddedFont>
   </p:embeddedFontLst>
   <p:defaultTextStyle>
@@ -227,7 +227,7 @@
           <a:p>
             <a:fld id="{C81C0B51-F1ED-498C-869A-F8955447CE1D}" type="datetimeFigureOut">
               <a:rPr lang="de-DE" smtClean="0"/>
-              <a:t>21.06.2017</a:t>
+              <a:t>26.06.2017</a:t>
             </a:fld>
             <a:endParaRPr lang="de-DE"/>
           </a:p>
@@ -395,7 +395,7 @@
             <a:fld id="{4C8D30B3-1582-4B91-8F65-98E88547E0E8}" type="datetimeFigureOut">
               <a:rPr lang="de-DE" smtClean="0"/>
               <a:pPr/>
-              <a:t>21.06.2017</a:t>
+              <a:t>26.06.2017</a:t>
             </a:fld>
             <a:endParaRPr lang="de-DE"/>
           </a:p>
@@ -470,6 +470,9 @@
   <p:clrMapOvr>
     <a:masterClrMapping/>
   </p:clrMapOvr>
+  <p:transition spd="med">
+    <p:wipe/>
+  </p:transition>
   <p:timing>
     <p:tnLst>
       <p:par>
@@ -589,7 +592,7 @@
           <a:p>
             <a:fld id="{4C8D30B3-1582-4B91-8F65-98E88547E0E8}" type="datetimeFigureOut">
               <a:rPr lang="de-DE" smtClean="0"/>
-              <a:t>21.06.2017</a:t>
+              <a:t>26.06.2017</a:t>
             </a:fld>
             <a:endParaRPr lang="de-DE"/>
           </a:p>
@@ -647,6 +650,9 @@
   <p:clrMapOvr>
     <a:masterClrMapping/>
   </p:clrMapOvr>
+  <p:transition spd="med">
+    <p:wipe/>
+  </p:transition>
 </p:sldLayout>
 </file>
 
@@ -769,7 +775,7 @@
           <a:p>
             <a:fld id="{4C8D30B3-1582-4B91-8F65-98E88547E0E8}" type="datetimeFigureOut">
               <a:rPr lang="de-DE" smtClean="0"/>
-              <a:t>21.06.2017</a:t>
+              <a:t>26.06.2017</a:t>
             </a:fld>
             <a:endParaRPr lang="de-DE"/>
           </a:p>
@@ -827,6 +833,9 @@
   <p:clrMapOvr>
     <a:masterClrMapping/>
   </p:clrMapOvr>
+  <p:transition spd="med">
+    <p:wipe/>
+  </p:transition>
 </p:sldLayout>
 </file>
 
@@ -904,11 +913,13 @@
               <a:buSzPct val="100000"/>
               <a:buFont typeface="Oswald" panose="02000503000000000000" pitchFamily="2" charset="0"/>
               <a:buChar char="-"/>
-              <a:defRPr>
+              <a:defRPr lang="de-DE" sz="2800" kern="1200" dirty="0" smtClean="0">
                 <a:solidFill>
                   <a:schemeClr val="bg1"/>
                 </a:solidFill>
                 <a:latin typeface="Oswald" panose="02000503000000000000" pitchFamily="2" charset="0"/>
+                <a:ea typeface="+mn-ea"/>
+                <a:cs typeface="+mn-cs"/>
               </a:defRPr>
             </a:lvl1pPr>
             <a:lvl2pPr>
@@ -995,13 +1006,25 @@
         <p:spPr/>
         <p:txBody>
           <a:bodyPr/>
-          <a:lstStyle/>
+          <a:lstStyle>
+            <a:lvl1pPr>
+              <a:defRPr lang="de-DE" sz="2400" kern="1200" smtClean="0">
+                <a:solidFill>
+                  <a:schemeClr val="bg1"/>
+                </a:solidFill>
+                <a:latin typeface="Oswald" panose="02000503000000000000" pitchFamily="2" charset="0"/>
+                <a:ea typeface="+mn-ea"/>
+                <a:cs typeface="+mn-cs"/>
+              </a:defRPr>
+            </a:lvl1pPr>
+          </a:lstStyle>
           <a:p>
             <a:fld id="{4C8D30B3-1582-4B91-8F65-98E88547E0E8}" type="datetimeFigureOut">
               <a:rPr lang="de-DE" smtClean="0"/>
-              <a:t>21.06.2017</a:t>
+              <a:pPr/>
+              <a:t>26.06.2017</a:t>
             </a:fld>
-            <a:endParaRPr lang="de-DE"/>
+            <a:endParaRPr lang="de-DE" dirty="0"/>
           </a:p>
         </p:txBody>
       </p:sp>
@@ -1018,9 +1041,20 @@
         <p:spPr/>
         <p:txBody>
           <a:bodyPr/>
-          <a:lstStyle/>
-          <a:p>
-            <a:endParaRPr lang="de-DE"/>
+          <a:lstStyle>
+            <a:lvl1pPr>
+              <a:defRPr lang="de-DE" sz="2400" kern="1200">
+                <a:solidFill>
+                  <a:schemeClr val="bg1"/>
+                </a:solidFill>
+                <a:latin typeface="Oswald" panose="02000503000000000000" pitchFamily="2" charset="0"/>
+                <a:ea typeface="+mn-ea"/>
+                <a:cs typeface="+mn-cs"/>
+              </a:defRPr>
+            </a:lvl1pPr>
+          </a:lstStyle>
+          <a:p>
+            <a:endParaRPr lang="de-DE" dirty="0"/>
           </a:p>
         </p:txBody>
       </p:sp>
@@ -1037,13 +1071,25 @@
         <p:spPr/>
         <p:txBody>
           <a:bodyPr/>
-          <a:lstStyle/>
+          <a:lstStyle>
+            <a:lvl1pPr>
+              <a:defRPr lang="de-DE" sz="2400" kern="1200" smtClean="0">
+                <a:solidFill>
+                  <a:schemeClr val="bg1"/>
+                </a:solidFill>
+                <a:latin typeface="Oswald" panose="02000503000000000000" pitchFamily="2" charset="0"/>
+                <a:ea typeface="+mn-ea"/>
+                <a:cs typeface="+mn-cs"/>
+              </a:defRPr>
+            </a:lvl1pPr>
+          </a:lstStyle>
           <a:p>
             <a:fld id="{70AD5E9B-1C8A-4CBC-80FC-1D3B05274D09}" type="slidenum">
               <a:rPr lang="de-DE" smtClean="0"/>
+              <a:pPr/>
               <a:t>‹Nr.›</a:t>
             </a:fld>
-            <a:endParaRPr lang="de-DE"/>
+            <a:endParaRPr lang="de-DE" dirty="0"/>
           </a:p>
         </p:txBody>
       </p:sp>
@@ -1136,6 +1182,41 @@
           </a:p>
         </p:txBody>
       </p:sp>
+      <p:cxnSp>
+        <p:nvCxnSpPr>
+          <p:cNvPr id="9" name="Gerader Verbinder 8"/>
+          <p:cNvCxnSpPr/>
+          <p:nvPr userDrawn="1"/>
+        </p:nvCxnSpPr>
+        <p:spPr>
+          <a:xfrm flipH="1">
+            <a:off x="0" y="6206536"/>
+            <a:ext cx="12192000" cy="0"/>
+          </a:xfrm>
+          <a:prstGeom prst="line">
+            <a:avLst/>
+          </a:prstGeom>
+          <a:ln w="63500">
+            <a:solidFill>
+              <a:srgbClr val="FF0000"/>
+            </a:solidFill>
+          </a:ln>
+        </p:spPr>
+        <p:style>
+          <a:lnRef idx="1">
+            <a:schemeClr val="accent1"/>
+          </a:lnRef>
+          <a:fillRef idx="0">
+            <a:schemeClr val="accent1"/>
+          </a:fillRef>
+          <a:effectRef idx="0">
+            <a:schemeClr val="accent1"/>
+          </a:effectRef>
+          <a:fontRef idx="minor">
+            <a:schemeClr val="tx1"/>
+          </a:fontRef>
+        </p:style>
+      </p:cxnSp>
     </p:spTree>
     <p:extLst>
       <p:ext uri="{BB962C8B-B14F-4D97-AF65-F5344CB8AC3E}">
@@ -1146,6 +1227,9 @@
   <p:clrMapOvr>
     <a:masterClrMapping/>
   </p:clrMapOvr>
+  <p:transition spd="med">
+    <p:wipe/>
+  </p:transition>
 </p:sldLayout>
 </file>
 
@@ -1334,7 +1418,7 @@
           <a:p>
             <a:fld id="{4C8D30B3-1582-4B91-8F65-98E88547E0E8}" type="datetimeFigureOut">
               <a:rPr lang="de-DE" smtClean="0"/>
-              <a:t>21.06.2017</a:t>
+              <a:t>26.06.2017</a:t>
             </a:fld>
             <a:endParaRPr lang="de-DE"/>
           </a:p>
@@ -1392,6 +1476,9 @@
   <p:clrMapOvr>
     <a:masterClrMapping/>
   </p:clrMapOvr>
+  <p:transition spd="med">
+    <p:wipe/>
+  </p:transition>
 </p:sldLayout>
 </file>
 
@@ -1566,7 +1653,7 @@
           <a:p>
             <a:fld id="{4C8D30B3-1582-4B91-8F65-98E88547E0E8}" type="datetimeFigureOut">
               <a:rPr lang="de-DE" smtClean="0"/>
-              <a:t>21.06.2017</a:t>
+              <a:t>26.06.2017</a:t>
             </a:fld>
             <a:endParaRPr lang="de-DE"/>
           </a:p>
@@ -1624,6 +1711,9 @@
   <p:clrMapOvr>
     <a:masterClrMapping/>
   </p:clrMapOvr>
+  <p:transition spd="med">
+    <p:wipe/>
+  </p:transition>
 </p:sldLayout>
 </file>
 
@@ -1933,7 +2023,7 @@
           <a:p>
             <a:fld id="{4C8D30B3-1582-4B91-8F65-98E88547E0E8}" type="datetimeFigureOut">
               <a:rPr lang="de-DE" smtClean="0"/>
-              <a:t>21.06.2017</a:t>
+              <a:t>26.06.2017</a:t>
             </a:fld>
             <a:endParaRPr lang="de-DE"/>
           </a:p>
@@ -1991,6 +2081,9 @@
   <p:clrMapOvr>
     <a:masterClrMapping/>
   </p:clrMapOvr>
+  <p:transition spd="med">
+    <p:wipe/>
+  </p:transition>
 </p:sldLayout>
 </file>
 
@@ -2051,7 +2144,7 @@
           <a:p>
             <a:fld id="{4C8D30B3-1582-4B91-8F65-98E88547E0E8}" type="datetimeFigureOut">
               <a:rPr lang="de-DE" smtClean="0"/>
-              <a:t>21.06.2017</a:t>
+              <a:t>26.06.2017</a:t>
             </a:fld>
             <a:endParaRPr lang="de-DE"/>
           </a:p>
@@ -2109,6 +2202,9 @@
   <p:clrMapOvr>
     <a:masterClrMapping/>
   </p:clrMapOvr>
+  <p:transition spd="med">
+    <p:wipe/>
+  </p:transition>
 </p:sldLayout>
 </file>
 
@@ -2146,7 +2242,7 @@
           <a:p>
             <a:fld id="{4C8D30B3-1582-4B91-8F65-98E88547E0E8}" type="datetimeFigureOut">
               <a:rPr lang="de-DE" smtClean="0"/>
-              <a:t>21.06.2017</a:t>
+              <a:t>26.06.2017</a:t>
             </a:fld>
             <a:endParaRPr lang="de-DE"/>
           </a:p>
@@ -2204,6 +2300,9 @@
   <p:clrMapOvr>
     <a:masterClrMapping/>
   </p:clrMapOvr>
+  <p:transition spd="med">
+    <p:wipe/>
+  </p:transition>
 </p:sldLayout>
 </file>
 
@@ -2423,7 +2522,7 @@
           <a:p>
             <a:fld id="{4C8D30B3-1582-4B91-8F65-98E88547E0E8}" type="datetimeFigureOut">
               <a:rPr lang="de-DE" smtClean="0"/>
-              <a:t>21.06.2017</a:t>
+              <a:t>26.06.2017</a:t>
             </a:fld>
             <a:endParaRPr lang="de-DE"/>
           </a:p>
@@ -2481,6 +2580,9 @@
   <p:clrMapOvr>
     <a:masterClrMapping/>
   </p:clrMapOvr>
+  <p:transition spd="med">
+    <p:wipe/>
+  </p:transition>
 </p:sldLayout>
 </file>
 
@@ -2676,7 +2778,7 @@
           <a:p>
             <a:fld id="{4C8D30B3-1582-4B91-8F65-98E88547E0E8}" type="datetimeFigureOut">
               <a:rPr lang="de-DE" smtClean="0"/>
-              <a:t>21.06.2017</a:t>
+              <a:t>26.06.2017</a:t>
             </a:fld>
             <a:endParaRPr lang="de-DE"/>
           </a:p>
@@ -2734,6 +2836,9 @@
   <p:clrMapOvr>
     <a:masterClrMapping/>
   </p:clrMapOvr>
+  <p:transition spd="med">
+    <p:wipe/>
+  </p:transition>
 </p:sldLayout>
 </file>
 
@@ -2892,7 +2997,7 @@
           <a:p>
             <a:fld id="{4C8D30B3-1582-4B91-8F65-98E88547E0E8}" type="datetimeFigureOut">
               <a:rPr lang="de-DE" smtClean="0"/>
-              <a:t>21.06.2017</a:t>
+              <a:t>26.06.2017</a:t>
             </a:fld>
             <a:endParaRPr lang="de-DE"/>
           </a:p>
@@ -2997,6 +3102,9 @@
     <p:sldLayoutId id="2147483658" r:id="rId10"/>
     <p:sldLayoutId id="2147483659" r:id="rId11"/>
   </p:sldLayoutIdLst>
+  <p:transition spd="med">
+    <p:wipe/>
+  </p:transition>
   <p:txStyles>
     <p:titleStyle>
       <a:lvl1pPr algn="l" defTabSz="914400" rtl="0" eaLnBrk="1" latinLnBrk="0" hangingPunct="1">
@@ -3299,17 +3407,63 @@
       </p:grpSpPr>
       <p:sp>
         <p:nvSpPr>
-          <p:cNvPr id="2" name="Titel 1"/>
-          <p:cNvSpPr>
-            <a:spLocks noGrp="1"/>
-          </p:cNvSpPr>
-          <p:nvPr>
-            <p:ph type="ctrTitle"/>
-          </p:nvPr>
+          <p:cNvPr id="3" name="Rechteck 2"/>
+          <p:cNvSpPr/>
+          <p:nvPr/>
         </p:nvSpPr>
         <p:spPr>
           <a:xfrm>
-            <a:off x="1524793" y="679441"/>
+            <a:off x="0" y="5829550"/>
+            <a:ext cx="12192000" cy="1028450"/>
+          </a:xfrm>
+          <a:prstGeom prst="rect">
+            <a:avLst/>
+          </a:prstGeom>
+          <a:solidFill>
+            <a:srgbClr val="2A363B"/>
+          </a:solidFill>
+          <a:ln>
+            <a:noFill/>
+          </a:ln>
+        </p:spPr>
+        <p:style>
+          <a:lnRef idx="2">
+            <a:schemeClr val="accent1">
+              <a:shade val="50000"/>
+            </a:schemeClr>
+          </a:lnRef>
+          <a:fillRef idx="1">
+            <a:schemeClr val="accent1"/>
+          </a:fillRef>
+          <a:effectRef idx="0">
+            <a:schemeClr val="accent1"/>
+          </a:effectRef>
+          <a:fontRef idx="minor">
+            <a:schemeClr val="lt1"/>
+          </a:fontRef>
+        </p:style>
+        <p:txBody>
+          <a:bodyPr rtlCol="0" anchor="ctr"/>
+          <a:lstStyle/>
+          <a:p>
+            <a:pPr algn="ctr"/>
+            <a:endParaRPr lang="de-DE"/>
+          </a:p>
+        </p:txBody>
+      </p:sp>
+      <p:sp>
+        <p:nvSpPr>
+          <p:cNvPr id="2" name="Titel 1"/>
+          <p:cNvSpPr>
+            <a:spLocks noGrp="1"/>
+          </p:cNvSpPr>
+          <p:nvPr>
+            <p:ph type="ctrTitle"/>
+          </p:nvPr>
+        </p:nvSpPr>
+        <p:spPr>
+          <a:xfrm>
+            <a:off x="1100727" y="679441"/>
             <a:ext cx="9294020" cy="2309207"/>
           </a:xfrm>
           <a:solidFill>
@@ -3334,13 +3488,19 @@
               </a:rPr>
               <a:t>Erarbeitung einer </a:t>
             </a:r>
+            <a:r>
+              <a:rPr lang="de-DE" dirty="0" smtClean="0">
+                <a:latin typeface="Oswald" panose="02000503000000000000" pitchFamily="2" charset="0"/>
+              </a:rPr>
+              <a:t/>
+            </a:r>
             <a:br>
               <a:rPr lang="de-DE" dirty="0" smtClean="0">
                 <a:latin typeface="Oswald" panose="02000503000000000000" pitchFamily="2" charset="0"/>
               </a:rPr>
             </a:br>
             <a:r>
-              <a:rPr lang="de-DE" b="1" dirty="0" smtClean="0">
+              <a:rPr lang="de-DE" b="1" i="1" spc="-300" dirty="0" smtClean="0">
                 <a:solidFill>
                   <a:srgbClr val="FF0000"/>
                 </a:solidFill>
@@ -3348,7 +3508,7 @@
               </a:rPr>
               <a:t>Konferenz-Website</a:t>
             </a:r>
-            <a:endParaRPr lang="de-DE" b="1" dirty="0">
+            <a:endParaRPr lang="de-DE" b="1" i="1" spc="-300" dirty="0">
               <a:solidFill>
                 <a:srgbClr val="FF0000"/>
               </a:solidFill>
@@ -3394,7 +3554,7 @@
       </p:cxnSp>
       <p:sp>
         <p:nvSpPr>
-          <p:cNvPr id="18" name="Freeform 9"/>
+          <p:cNvPr id="9" name="Freeform 5"/>
           <p:cNvSpPr>
             <a:spLocks noEditPoints="1"/>
           </p:cNvSpPr>
@@ -3402,76 +3562,78 @@
         </p:nvSpPr>
         <p:spPr bwMode="auto">
           <a:xfrm>
-            <a:off x="6878638" y="3051425"/>
-            <a:ext cx="3940175" cy="2778125"/>
+            <a:off x="7385114" y="2890656"/>
+            <a:ext cx="4297363" cy="3030537"/>
           </a:xfrm>
           <a:custGeom>
             <a:avLst/>
             <a:gdLst>
-              <a:gd name="T0" fmla="*/ 0 w 4964"/>
-              <a:gd name="T1" fmla="*/ 0 h 3500"/>
-              <a:gd name="T2" fmla="*/ 2172 w 4964"/>
-              <a:gd name="T3" fmla="*/ 2919 h 3500"/>
-              <a:gd name="T4" fmla="*/ 2168 w 4964"/>
-              <a:gd name="T5" fmla="*/ 2975 h 3500"/>
-              <a:gd name="T6" fmla="*/ 2160 w 4964"/>
-              <a:gd name="T7" fmla="*/ 3048 h 3500"/>
-              <a:gd name="T8" fmla="*/ 2144 w 4964"/>
-              <a:gd name="T9" fmla="*/ 3129 h 3500"/>
-              <a:gd name="T10" fmla="*/ 2120 w 4964"/>
-              <a:gd name="T11" fmla="*/ 3209 h 3500"/>
-              <a:gd name="T12" fmla="*/ 2093 w 4964"/>
-              <a:gd name="T13" fmla="*/ 3268 h 3500"/>
-              <a:gd name="T14" fmla="*/ 2073 w 4964"/>
-              <a:gd name="T15" fmla="*/ 3302 h 3500"/>
-              <a:gd name="T16" fmla="*/ 2049 w 4964"/>
-              <a:gd name="T17" fmla="*/ 3332 h 3500"/>
-              <a:gd name="T18" fmla="*/ 2021 w 4964"/>
-              <a:gd name="T19" fmla="*/ 3359 h 3500"/>
-              <a:gd name="T20" fmla="*/ 1988 w 4964"/>
-              <a:gd name="T21" fmla="*/ 3381 h 3500"/>
-              <a:gd name="T22" fmla="*/ 1951 w 4964"/>
-              <a:gd name="T23" fmla="*/ 3395 h 3500"/>
-              <a:gd name="T24" fmla="*/ 1910 w 4964"/>
-              <a:gd name="T25" fmla="*/ 3403 h 3500"/>
-              <a:gd name="T26" fmla="*/ 1888 w 4964"/>
-              <a:gd name="T27" fmla="*/ 3405 h 3500"/>
-              <a:gd name="T28" fmla="*/ 1825 w 4964"/>
-              <a:gd name="T29" fmla="*/ 3405 h 3500"/>
-              <a:gd name="T30" fmla="*/ 3139 w 4964"/>
-              <a:gd name="T31" fmla="*/ 3500 h 3500"/>
-              <a:gd name="T32" fmla="*/ 3139 w 4964"/>
-              <a:gd name="T33" fmla="*/ 3405 h 3500"/>
-              <a:gd name="T34" fmla="*/ 3081 w 4964"/>
-              <a:gd name="T35" fmla="*/ 3405 h 3500"/>
-              <a:gd name="T36" fmla="*/ 3037 w 4964"/>
-              <a:gd name="T37" fmla="*/ 3400 h 3500"/>
-              <a:gd name="T38" fmla="*/ 2999 w 4964"/>
-              <a:gd name="T39" fmla="*/ 3389 h 3500"/>
-              <a:gd name="T40" fmla="*/ 2964 w 4964"/>
-              <a:gd name="T41" fmla="*/ 3370 h 3500"/>
-              <a:gd name="T42" fmla="*/ 2932 w 4964"/>
-              <a:gd name="T43" fmla="*/ 3346 h 3500"/>
-              <a:gd name="T44" fmla="*/ 2907 w 4964"/>
-              <a:gd name="T45" fmla="*/ 3318 h 3500"/>
-              <a:gd name="T46" fmla="*/ 2883 w 4964"/>
-              <a:gd name="T47" fmla="*/ 3285 h 3500"/>
-              <a:gd name="T48" fmla="*/ 2864 w 4964"/>
-              <a:gd name="T49" fmla="*/ 3249 h 3500"/>
-              <a:gd name="T50" fmla="*/ 2833 w 4964"/>
-              <a:gd name="T51" fmla="*/ 3170 h 3500"/>
-              <a:gd name="T52" fmla="*/ 2814 w 4964"/>
-              <a:gd name="T53" fmla="*/ 3087 h 3500"/>
-              <a:gd name="T54" fmla="*/ 2801 w 4964"/>
-              <a:gd name="T55" fmla="*/ 3010 h 3500"/>
-              <a:gd name="T56" fmla="*/ 2795 w 4964"/>
-              <a:gd name="T57" fmla="*/ 2919 h 3500"/>
-              <a:gd name="T58" fmla="*/ 4964 w 4964"/>
-              <a:gd name="T59" fmla="*/ 0 h 3500"/>
-              <a:gd name="T60" fmla="*/ 237 w 4964"/>
-              <a:gd name="T61" fmla="*/ 2723 h 3500"/>
-              <a:gd name="T62" fmla="*/ 4727 w 4964"/>
-              <a:gd name="T63" fmla="*/ 199 h 3500"/>
+              <a:gd name="T0" fmla="*/ 0 w 5414"/>
+              <a:gd name="T1" fmla="*/ 0 h 3817"/>
+              <a:gd name="T2" fmla="*/ 2369 w 5414"/>
+              <a:gd name="T3" fmla="*/ 3183 h 3817"/>
+              <a:gd name="T4" fmla="*/ 2364 w 5414"/>
+              <a:gd name="T5" fmla="*/ 3245 h 3817"/>
+              <a:gd name="T6" fmla="*/ 2355 w 5414"/>
+              <a:gd name="T7" fmla="*/ 3325 h 3817"/>
+              <a:gd name="T8" fmla="*/ 2338 w 5414"/>
+              <a:gd name="T9" fmla="*/ 3413 h 3817"/>
+              <a:gd name="T10" fmla="*/ 2312 w 5414"/>
+              <a:gd name="T11" fmla="*/ 3500 h 3817"/>
+              <a:gd name="T12" fmla="*/ 2283 w 5414"/>
+              <a:gd name="T13" fmla="*/ 3564 h 3817"/>
+              <a:gd name="T14" fmla="*/ 2261 w 5414"/>
+              <a:gd name="T15" fmla="*/ 3602 h 3817"/>
+              <a:gd name="T16" fmla="*/ 2235 w 5414"/>
+              <a:gd name="T17" fmla="*/ 3635 h 3817"/>
+              <a:gd name="T18" fmla="*/ 2204 w 5414"/>
+              <a:gd name="T19" fmla="*/ 3664 h 3817"/>
+              <a:gd name="T20" fmla="*/ 2168 w 5414"/>
+              <a:gd name="T21" fmla="*/ 3688 h 3817"/>
+              <a:gd name="T22" fmla="*/ 2128 w 5414"/>
+              <a:gd name="T23" fmla="*/ 3704 h 3817"/>
+              <a:gd name="T24" fmla="*/ 2083 w 5414"/>
+              <a:gd name="T25" fmla="*/ 3712 h 3817"/>
+              <a:gd name="T26" fmla="*/ 2059 w 5414"/>
+              <a:gd name="T27" fmla="*/ 3714 h 3817"/>
+              <a:gd name="T28" fmla="*/ 1990 w 5414"/>
+              <a:gd name="T29" fmla="*/ 3714 h 3817"/>
+              <a:gd name="T30" fmla="*/ 3424 w 5414"/>
+              <a:gd name="T31" fmla="*/ 3817 h 3817"/>
+              <a:gd name="T32" fmla="*/ 3424 w 5414"/>
+              <a:gd name="T33" fmla="*/ 3714 h 3817"/>
+              <a:gd name="T34" fmla="*/ 3360 w 5414"/>
+              <a:gd name="T35" fmla="*/ 3714 h 3817"/>
+              <a:gd name="T36" fmla="*/ 3312 w 5414"/>
+              <a:gd name="T37" fmla="*/ 3709 h 3817"/>
+              <a:gd name="T38" fmla="*/ 3270 w 5414"/>
+              <a:gd name="T39" fmla="*/ 3697 h 3817"/>
+              <a:gd name="T40" fmla="*/ 3232 w 5414"/>
+              <a:gd name="T41" fmla="*/ 3676 h 3817"/>
+              <a:gd name="T42" fmla="*/ 3198 w 5414"/>
+              <a:gd name="T43" fmla="*/ 3650 h 3817"/>
+              <a:gd name="T44" fmla="*/ 3170 w 5414"/>
+              <a:gd name="T45" fmla="*/ 3619 h 3817"/>
+              <a:gd name="T46" fmla="*/ 3145 w 5414"/>
+              <a:gd name="T47" fmla="*/ 3583 h 3817"/>
+              <a:gd name="T48" fmla="*/ 3124 w 5414"/>
+              <a:gd name="T49" fmla="*/ 3543 h 3817"/>
+              <a:gd name="T50" fmla="*/ 3089 w 5414"/>
+              <a:gd name="T51" fmla="*/ 3457 h 3817"/>
+              <a:gd name="T52" fmla="*/ 3069 w 5414"/>
+              <a:gd name="T53" fmla="*/ 3368 h 3817"/>
+              <a:gd name="T54" fmla="*/ 3055 w 5414"/>
+              <a:gd name="T55" fmla="*/ 3283 h 3817"/>
+              <a:gd name="T56" fmla="*/ 3048 w 5414"/>
+              <a:gd name="T57" fmla="*/ 3183 h 3817"/>
+              <a:gd name="T58" fmla="*/ 5414 w 5414"/>
+              <a:gd name="T59" fmla="*/ 0 h 3817"/>
+              <a:gd name="T60" fmla="*/ 5156 w 5414"/>
+              <a:gd name="T61" fmla="*/ 2970 h 3817"/>
+              <a:gd name="T62" fmla="*/ 258 w 5414"/>
+              <a:gd name="T63" fmla="*/ 217 h 3817"/>
+              <a:gd name="T64" fmla="*/ 5156 w 5414"/>
+              <a:gd name="T65" fmla="*/ 2970 h 3817"/>
             </a:gdLst>
             <a:ahLst/>
             <a:cxnLst>
@@ -3571,205 +3733,214 @@
               <a:cxn ang="0">
                 <a:pos x="T62" y="T63"/>
               </a:cxn>
+              <a:cxn ang="0">
+                <a:pos x="T64" y="T65"/>
+              </a:cxn>
             </a:cxnLst>
             <a:rect l="0" t="0" r="r" b="b"/>
             <a:pathLst>
-              <a:path w="4964" h="3500">
+              <a:path w="5414" h="3817">
                 <a:moveTo>
-                  <a:pt x="4964" y="0"/>
+                  <a:pt x="5414" y="0"/>
                 </a:moveTo>
                 <a:lnTo>
                   <a:pt x="0" y="0"/>
                 </a:lnTo>
                 <a:lnTo>
-                  <a:pt x="0" y="2919"/>
-                </a:lnTo>
-                <a:lnTo>
-                  <a:pt x="2172" y="2919"/>
-                </a:lnTo>
-                <a:lnTo>
-                  <a:pt x="2172" y="2919"/>
-                </a:lnTo>
-                <a:lnTo>
-                  <a:pt x="2168" y="2975"/>
-                </a:lnTo>
-                <a:lnTo>
-                  <a:pt x="2165" y="3010"/>
-                </a:lnTo>
-                <a:lnTo>
-                  <a:pt x="2160" y="3048"/>
-                </a:lnTo>
-                <a:lnTo>
-                  <a:pt x="2153" y="3087"/>
-                </a:lnTo>
-                <a:lnTo>
-                  <a:pt x="2144" y="3129"/>
-                </a:lnTo>
-                <a:lnTo>
-                  <a:pt x="2133" y="3170"/>
-                </a:lnTo>
-                <a:lnTo>
-                  <a:pt x="2120" y="3209"/>
-                </a:lnTo>
-                <a:lnTo>
-                  <a:pt x="2103" y="3249"/>
-                </a:lnTo>
-                <a:lnTo>
-                  <a:pt x="2093" y="3268"/>
-                </a:lnTo>
-                <a:lnTo>
-                  <a:pt x="2084" y="3285"/>
-                </a:lnTo>
-                <a:lnTo>
-                  <a:pt x="2073" y="3302"/>
-                </a:lnTo>
-                <a:lnTo>
-                  <a:pt x="2062" y="3318"/>
-                </a:lnTo>
-                <a:lnTo>
-                  <a:pt x="2049" y="3332"/>
-                </a:lnTo>
-                <a:lnTo>
-                  <a:pt x="2035" y="3346"/>
-                </a:lnTo>
-                <a:lnTo>
-                  <a:pt x="2021" y="3359"/>
-                </a:lnTo>
-                <a:lnTo>
-                  <a:pt x="2005" y="3370"/>
-                </a:lnTo>
-                <a:lnTo>
-                  <a:pt x="1988" y="3381"/>
-                </a:lnTo>
-                <a:lnTo>
-                  <a:pt x="1970" y="3389"/>
-                </a:lnTo>
-                <a:lnTo>
-                  <a:pt x="1951" y="3395"/>
-                </a:lnTo>
-                <a:lnTo>
-                  <a:pt x="1931" y="3400"/>
-                </a:lnTo>
-                <a:lnTo>
-                  <a:pt x="1910" y="3403"/>
-                </a:lnTo>
-                <a:lnTo>
-                  <a:pt x="1888" y="3405"/>
-                </a:lnTo>
-                <a:lnTo>
-                  <a:pt x="1888" y="3405"/>
-                </a:lnTo>
-                <a:lnTo>
-                  <a:pt x="1828" y="3405"/>
-                </a:lnTo>
-                <a:lnTo>
-                  <a:pt x="1825" y="3405"/>
-                </a:lnTo>
-                <a:lnTo>
-                  <a:pt x="1825" y="3500"/>
-                </a:lnTo>
-                <a:lnTo>
-                  <a:pt x="3139" y="3500"/>
-                </a:lnTo>
-                <a:lnTo>
-                  <a:pt x="3139" y="3405"/>
-                </a:lnTo>
-                <a:lnTo>
-                  <a:pt x="3139" y="3405"/>
-                </a:lnTo>
-                <a:lnTo>
-                  <a:pt x="3081" y="3405"/>
-                </a:lnTo>
-                <a:lnTo>
-                  <a:pt x="3081" y="3405"/>
-                </a:lnTo>
-                <a:lnTo>
-                  <a:pt x="3059" y="3403"/>
-                </a:lnTo>
-                <a:lnTo>
-                  <a:pt x="3037" y="3400"/>
-                </a:lnTo>
-                <a:lnTo>
-                  <a:pt x="3018" y="3395"/>
-                </a:lnTo>
-                <a:lnTo>
-                  <a:pt x="2999" y="3389"/>
-                </a:lnTo>
-                <a:lnTo>
-                  <a:pt x="2980" y="3381"/>
-                </a:lnTo>
-                <a:lnTo>
-                  <a:pt x="2964" y="3370"/>
-                </a:lnTo>
-                <a:lnTo>
-                  <a:pt x="2948" y="3359"/>
-                </a:lnTo>
-                <a:lnTo>
-                  <a:pt x="2932" y="3346"/>
-                </a:lnTo>
-                <a:lnTo>
-                  <a:pt x="2920" y="3332"/>
-                </a:lnTo>
-                <a:lnTo>
-                  <a:pt x="2907" y="3318"/>
-                </a:lnTo>
-                <a:lnTo>
-                  <a:pt x="2894" y="3302"/>
-                </a:lnTo>
-                <a:lnTo>
-                  <a:pt x="2883" y="3285"/>
-                </a:lnTo>
-                <a:lnTo>
-                  <a:pt x="2874" y="3268"/>
-                </a:lnTo>
-                <a:lnTo>
-                  <a:pt x="2864" y="3249"/>
-                </a:lnTo>
-                <a:lnTo>
-                  <a:pt x="2847" y="3209"/>
-                </a:lnTo>
-                <a:lnTo>
-                  <a:pt x="2833" y="3170"/>
-                </a:lnTo>
-                <a:lnTo>
-                  <a:pt x="2822" y="3129"/>
-                </a:lnTo>
-                <a:lnTo>
-                  <a:pt x="2814" y="3087"/>
-                </a:lnTo>
-                <a:lnTo>
-                  <a:pt x="2808" y="3048"/>
-                </a:lnTo>
-                <a:lnTo>
-                  <a:pt x="2801" y="3010"/>
-                </a:lnTo>
-                <a:lnTo>
-                  <a:pt x="2798" y="2975"/>
-                </a:lnTo>
-                <a:lnTo>
-                  <a:pt x="2795" y="2919"/>
-                </a:lnTo>
-                <a:lnTo>
-                  <a:pt x="4964" y="2919"/>
-                </a:lnTo>
-                <a:lnTo>
-                  <a:pt x="4964" y="0"/>
+                  <a:pt x="0" y="3183"/>
+                </a:lnTo>
+                <a:lnTo>
+                  <a:pt x="2369" y="3183"/>
+                </a:lnTo>
+                <a:lnTo>
+                  <a:pt x="2369" y="3183"/>
+                </a:lnTo>
+                <a:lnTo>
+                  <a:pt x="2364" y="3245"/>
+                </a:lnTo>
+                <a:lnTo>
+                  <a:pt x="2361" y="3283"/>
+                </a:lnTo>
+                <a:lnTo>
+                  <a:pt x="2355" y="3325"/>
+                </a:lnTo>
+                <a:lnTo>
+                  <a:pt x="2349" y="3368"/>
+                </a:lnTo>
+                <a:lnTo>
+                  <a:pt x="2338" y="3413"/>
+                </a:lnTo>
+                <a:lnTo>
+                  <a:pt x="2326" y="3457"/>
+                </a:lnTo>
+                <a:lnTo>
+                  <a:pt x="2312" y="3500"/>
+                </a:lnTo>
+                <a:lnTo>
+                  <a:pt x="2293" y="3543"/>
+                </a:lnTo>
+                <a:lnTo>
+                  <a:pt x="2283" y="3564"/>
+                </a:lnTo>
+                <a:lnTo>
+                  <a:pt x="2273" y="3583"/>
+                </a:lnTo>
+                <a:lnTo>
+                  <a:pt x="2261" y="3602"/>
+                </a:lnTo>
+                <a:lnTo>
+                  <a:pt x="2249" y="3619"/>
+                </a:lnTo>
+                <a:lnTo>
+                  <a:pt x="2235" y="3635"/>
+                </a:lnTo>
+                <a:lnTo>
+                  <a:pt x="2219" y="3650"/>
+                </a:lnTo>
+                <a:lnTo>
+                  <a:pt x="2204" y="3664"/>
+                </a:lnTo>
+                <a:lnTo>
+                  <a:pt x="2187" y="3676"/>
+                </a:lnTo>
+                <a:lnTo>
+                  <a:pt x="2168" y="3688"/>
+                </a:lnTo>
+                <a:lnTo>
+                  <a:pt x="2149" y="3697"/>
+                </a:lnTo>
+                <a:lnTo>
+                  <a:pt x="2128" y="3704"/>
+                </a:lnTo>
+                <a:lnTo>
+                  <a:pt x="2106" y="3709"/>
+                </a:lnTo>
+                <a:lnTo>
+                  <a:pt x="2083" y="3712"/>
+                </a:lnTo>
+                <a:lnTo>
+                  <a:pt x="2059" y="3714"/>
+                </a:lnTo>
+                <a:lnTo>
+                  <a:pt x="2059" y="3714"/>
+                </a:lnTo>
+                <a:lnTo>
+                  <a:pt x="1994" y="3714"/>
+                </a:lnTo>
+                <a:lnTo>
+                  <a:pt x="1990" y="3714"/>
+                </a:lnTo>
+                <a:lnTo>
+                  <a:pt x="1990" y="3817"/>
+                </a:lnTo>
+                <a:lnTo>
+                  <a:pt x="3424" y="3817"/>
+                </a:lnTo>
+                <a:lnTo>
+                  <a:pt x="3424" y="3714"/>
+                </a:lnTo>
+                <a:lnTo>
+                  <a:pt x="3424" y="3714"/>
+                </a:lnTo>
+                <a:lnTo>
+                  <a:pt x="3360" y="3714"/>
+                </a:lnTo>
+                <a:lnTo>
+                  <a:pt x="3360" y="3714"/>
+                </a:lnTo>
+                <a:lnTo>
+                  <a:pt x="3336" y="3712"/>
+                </a:lnTo>
+                <a:lnTo>
+                  <a:pt x="3312" y="3709"/>
+                </a:lnTo>
+                <a:lnTo>
+                  <a:pt x="3291" y="3704"/>
+                </a:lnTo>
+                <a:lnTo>
+                  <a:pt x="3270" y="3697"/>
+                </a:lnTo>
+                <a:lnTo>
+                  <a:pt x="3250" y="3688"/>
+                </a:lnTo>
+                <a:lnTo>
+                  <a:pt x="3232" y="3676"/>
+                </a:lnTo>
+                <a:lnTo>
+                  <a:pt x="3215" y="3664"/>
+                </a:lnTo>
+                <a:lnTo>
+                  <a:pt x="3198" y="3650"/>
+                </a:lnTo>
+                <a:lnTo>
+                  <a:pt x="3184" y="3635"/>
+                </a:lnTo>
+                <a:lnTo>
+                  <a:pt x="3170" y="3619"/>
+                </a:lnTo>
+                <a:lnTo>
+                  <a:pt x="3157" y="3602"/>
+                </a:lnTo>
+                <a:lnTo>
+                  <a:pt x="3145" y="3583"/>
+                </a:lnTo>
+                <a:lnTo>
+                  <a:pt x="3134" y="3564"/>
+                </a:lnTo>
+                <a:lnTo>
+                  <a:pt x="3124" y="3543"/>
+                </a:lnTo>
+                <a:lnTo>
+                  <a:pt x="3105" y="3500"/>
+                </a:lnTo>
+                <a:lnTo>
+                  <a:pt x="3089" y="3457"/>
+                </a:lnTo>
+                <a:lnTo>
+                  <a:pt x="3077" y="3413"/>
+                </a:lnTo>
+                <a:lnTo>
+                  <a:pt x="3069" y="3368"/>
+                </a:lnTo>
+                <a:lnTo>
+                  <a:pt x="3062" y="3325"/>
+                </a:lnTo>
+                <a:lnTo>
+                  <a:pt x="3055" y="3283"/>
+                </a:lnTo>
+                <a:lnTo>
+                  <a:pt x="3052" y="3245"/>
+                </a:lnTo>
+                <a:lnTo>
+                  <a:pt x="3048" y="3183"/>
+                </a:lnTo>
+                <a:lnTo>
+                  <a:pt x="5414" y="3183"/>
+                </a:lnTo>
+                <a:lnTo>
+                  <a:pt x="5414" y="0"/>
+                </a:lnTo>
+                <a:lnTo>
+                  <a:pt x="5414" y="0"/>
                 </a:lnTo>
                 <a:close/>
                 <a:moveTo>
-                  <a:pt x="4727" y="2723"/>
+                  <a:pt x="5156" y="2970"/>
                 </a:moveTo>
                 <a:lnTo>
-                  <a:pt x="237" y="2723"/>
-                </a:lnTo>
-                <a:lnTo>
-                  <a:pt x="237" y="199"/>
-                </a:lnTo>
-                <a:lnTo>
-                  <a:pt x="4727" y="199"/>
-                </a:lnTo>
-                <a:lnTo>
-                  <a:pt x="4727" y="2723"/>
+                  <a:pt x="258" y="2970"/>
+                </a:lnTo>
+                <a:lnTo>
+                  <a:pt x="258" y="217"/>
+                </a:lnTo>
+                <a:lnTo>
+                  <a:pt x="5156" y="217"/>
+                </a:lnTo>
+                <a:lnTo>
+                  <a:pt x="5156" y="2970"/>
+                </a:lnTo>
+                <a:lnTo>
+                  <a:pt x="5156" y="2970"/>
                 </a:lnTo>
                 <a:close/>
               </a:path>
@@ -3796,7 +3967,7 @@
       </p:sp>
       <p:sp>
         <p:nvSpPr>
-          <p:cNvPr id="19" name="Freeform 10"/>
+          <p:cNvPr id="10" name="Freeform 6"/>
           <p:cNvSpPr>
             <a:spLocks noEditPoints="1"/>
           </p:cNvSpPr>
@@ -3804,96 +3975,100 @@
         </p:nvSpPr>
         <p:spPr bwMode="auto">
           <a:xfrm>
-            <a:off x="2519363" y="4365875"/>
-            <a:ext cx="1084263" cy="1463675"/>
+            <a:off x="2292351" y="4328931"/>
+            <a:ext cx="1182688" cy="1597025"/>
           </a:xfrm>
           <a:custGeom>
             <a:avLst/>
             <a:gdLst>
-              <a:gd name="T0" fmla="*/ 76 w 1367"/>
-              <a:gd name="T1" fmla="*/ 0 h 1845"/>
-              <a:gd name="T2" fmla="*/ 60 w 1367"/>
-              <a:gd name="T3" fmla="*/ 2 h 1845"/>
-              <a:gd name="T4" fmla="*/ 33 w 1367"/>
-              <a:gd name="T5" fmla="*/ 13 h 1845"/>
-              <a:gd name="T6" fmla="*/ 13 w 1367"/>
-              <a:gd name="T7" fmla="*/ 33 h 1845"/>
-              <a:gd name="T8" fmla="*/ 2 w 1367"/>
-              <a:gd name="T9" fmla="*/ 60 h 1845"/>
-              <a:gd name="T10" fmla="*/ 0 w 1367"/>
-              <a:gd name="T11" fmla="*/ 1769 h 1845"/>
-              <a:gd name="T12" fmla="*/ 2 w 1367"/>
-              <a:gd name="T13" fmla="*/ 1785 h 1845"/>
-              <a:gd name="T14" fmla="*/ 13 w 1367"/>
-              <a:gd name="T15" fmla="*/ 1812 h 1845"/>
-              <a:gd name="T16" fmla="*/ 33 w 1367"/>
-              <a:gd name="T17" fmla="*/ 1832 h 1845"/>
-              <a:gd name="T18" fmla="*/ 60 w 1367"/>
-              <a:gd name="T19" fmla="*/ 1843 h 1845"/>
-              <a:gd name="T20" fmla="*/ 1291 w 1367"/>
-              <a:gd name="T21" fmla="*/ 1845 h 1845"/>
-              <a:gd name="T22" fmla="*/ 1307 w 1367"/>
-              <a:gd name="T23" fmla="*/ 1843 h 1845"/>
-              <a:gd name="T24" fmla="*/ 1333 w 1367"/>
-              <a:gd name="T25" fmla="*/ 1832 h 1845"/>
-              <a:gd name="T26" fmla="*/ 1354 w 1367"/>
-              <a:gd name="T27" fmla="*/ 1812 h 1845"/>
-              <a:gd name="T28" fmla="*/ 1365 w 1367"/>
-              <a:gd name="T29" fmla="*/ 1785 h 1845"/>
-              <a:gd name="T30" fmla="*/ 1367 w 1367"/>
-              <a:gd name="T31" fmla="*/ 76 h 1845"/>
-              <a:gd name="T32" fmla="*/ 1365 w 1367"/>
-              <a:gd name="T33" fmla="*/ 60 h 1845"/>
-              <a:gd name="T34" fmla="*/ 1354 w 1367"/>
-              <a:gd name="T35" fmla="*/ 33 h 1845"/>
-              <a:gd name="T36" fmla="*/ 1333 w 1367"/>
-              <a:gd name="T37" fmla="*/ 13 h 1845"/>
-              <a:gd name="T38" fmla="*/ 1307 w 1367"/>
-              <a:gd name="T39" fmla="*/ 2 h 1845"/>
-              <a:gd name="T40" fmla="*/ 1291 w 1367"/>
-              <a:gd name="T41" fmla="*/ 0 h 1845"/>
-              <a:gd name="T42" fmla="*/ 702 w 1367"/>
-              <a:gd name="T43" fmla="*/ 1810 h 1845"/>
-              <a:gd name="T44" fmla="*/ 675 w 1367"/>
-              <a:gd name="T45" fmla="*/ 1805 h 1845"/>
-              <a:gd name="T46" fmla="*/ 653 w 1367"/>
-              <a:gd name="T47" fmla="*/ 1789 h 1845"/>
-              <a:gd name="T48" fmla="*/ 637 w 1367"/>
-              <a:gd name="T49" fmla="*/ 1767 h 1845"/>
-              <a:gd name="T50" fmla="*/ 632 w 1367"/>
-              <a:gd name="T51" fmla="*/ 1740 h 1845"/>
-              <a:gd name="T52" fmla="*/ 634 w 1367"/>
-              <a:gd name="T53" fmla="*/ 1726 h 1845"/>
-              <a:gd name="T54" fmla="*/ 645 w 1367"/>
-              <a:gd name="T55" fmla="*/ 1701 h 1845"/>
-              <a:gd name="T56" fmla="*/ 664 w 1367"/>
-              <a:gd name="T57" fmla="*/ 1682 h 1845"/>
-              <a:gd name="T58" fmla="*/ 687 w 1367"/>
-              <a:gd name="T59" fmla="*/ 1671 h 1845"/>
-              <a:gd name="T60" fmla="*/ 702 w 1367"/>
-              <a:gd name="T61" fmla="*/ 1671 h 1845"/>
-              <a:gd name="T62" fmla="*/ 730 w 1367"/>
-              <a:gd name="T63" fmla="*/ 1676 h 1845"/>
-              <a:gd name="T64" fmla="*/ 752 w 1367"/>
-              <a:gd name="T65" fmla="*/ 1691 h 1845"/>
-              <a:gd name="T66" fmla="*/ 766 w 1367"/>
-              <a:gd name="T67" fmla="*/ 1714 h 1845"/>
-              <a:gd name="T68" fmla="*/ 773 w 1367"/>
-              <a:gd name="T69" fmla="*/ 1740 h 1845"/>
-              <a:gd name="T70" fmla="*/ 771 w 1367"/>
-              <a:gd name="T71" fmla="*/ 1755 h 1845"/>
-              <a:gd name="T72" fmla="*/ 760 w 1367"/>
-              <a:gd name="T73" fmla="*/ 1780 h 1845"/>
-              <a:gd name="T74" fmla="*/ 741 w 1367"/>
-              <a:gd name="T75" fmla="*/ 1799 h 1845"/>
-              <a:gd name="T76" fmla="*/ 716 w 1367"/>
-              <a:gd name="T77" fmla="*/ 1808 h 1845"/>
-              <a:gd name="T78" fmla="*/ 702 w 1367"/>
-              <a:gd name="T79" fmla="*/ 1810 h 1845"/>
-              <a:gd name="T80" fmla="*/ 141 w 1367"/>
-              <a:gd name="T81" fmla="*/ 1611 h 1845"/>
-              <a:gd name="T82" fmla="*/ 1226 w 1367"/>
-              <a:gd name="T83" fmla="*/ 141 h 1845"/>
+              <a:gd name="T0" fmla="*/ 83 w 1491"/>
+              <a:gd name="T1" fmla="*/ 0 h 2012"/>
+              <a:gd name="T2" fmla="*/ 66 w 1491"/>
+              <a:gd name="T3" fmla="*/ 2 h 2012"/>
+              <a:gd name="T4" fmla="*/ 37 w 1491"/>
+              <a:gd name="T5" fmla="*/ 14 h 2012"/>
+              <a:gd name="T6" fmla="*/ 14 w 1491"/>
+              <a:gd name="T7" fmla="*/ 36 h 2012"/>
+              <a:gd name="T8" fmla="*/ 2 w 1491"/>
+              <a:gd name="T9" fmla="*/ 66 h 2012"/>
+              <a:gd name="T10" fmla="*/ 0 w 1491"/>
+              <a:gd name="T11" fmla="*/ 1930 h 2012"/>
+              <a:gd name="T12" fmla="*/ 2 w 1491"/>
+              <a:gd name="T13" fmla="*/ 1947 h 2012"/>
+              <a:gd name="T14" fmla="*/ 14 w 1491"/>
+              <a:gd name="T15" fmla="*/ 1976 h 2012"/>
+              <a:gd name="T16" fmla="*/ 37 w 1491"/>
+              <a:gd name="T17" fmla="*/ 1998 h 2012"/>
+              <a:gd name="T18" fmla="*/ 66 w 1491"/>
+              <a:gd name="T19" fmla="*/ 2011 h 2012"/>
+              <a:gd name="T20" fmla="*/ 1408 w 1491"/>
+              <a:gd name="T21" fmla="*/ 2012 h 2012"/>
+              <a:gd name="T22" fmla="*/ 1425 w 1491"/>
+              <a:gd name="T23" fmla="*/ 2011 h 2012"/>
+              <a:gd name="T24" fmla="*/ 1455 w 1491"/>
+              <a:gd name="T25" fmla="*/ 1998 h 2012"/>
+              <a:gd name="T26" fmla="*/ 1477 w 1491"/>
+              <a:gd name="T27" fmla="*/ 1976 h 2012"/>
+              <a:gd name="T28" fmla="*/ 1489 w 1491"/>
+              <a:gd name="T29" fmla="*/ 1947 h 2012"/>
+              <a:gd name="T30" fmla="*/ 1491 w 1491"/>
+              <a:gd name="T31" fmla="*/ 83 h 2012"/>
+              <a:gd name="T32" fmla="*/ 1489 w 1491"/>
+              <a:gd name="T33" fmla="*/ 66 h 2012"/>
+              <a:gd name="T34" fmla="*/ 1477 w 1491"/>
+              <a:gd name="T35" fmla="*/ 36 h 2012"/>
+              <a:gd name="T36" fmla="*/ 1455 w 1491"/>
+              <a:gd name="T37" fmla="*/ 14 h 2012"/>
+              <a:gd name="T38" fmla="*/ 1425 w 1491"/>
+              <a:gd name="T39" fmla="*/ 2 h 2012"/>
+              <a:gd name="T40" fmla="*/ 1408 w 1491"/>
+              <a:gd name="T41" fmla="*/ 0 h 2012"/>
+              <a:gd name="T42" fmla="*/ 765 w 1491"/>
+              <a:gd name="T43" fmla="*/ 1974 h 2012"/>
+              <a:gd name="T44" fmla="*/ 750 w 1491"/>
+              <a:gd name="T45" fmla="*/ 1973 h 2012"/>
+              <a:gd name="T46" fmla="*/ 724 w 1491"/>
+              <a:gd name="T47" fmla="*/ 1962 h 2012"/>
+              <a:gd name="T48" fmla="*/ 703 w 1491"/>
+              <a:gd name="T49" fmla="*/ 1942 h 2012"/>
+              <a:gd name="T50" fmla="*/ 691 w 1491"/>
+              <a:gd name="T51" fmla="*/ 1914 h 2012"/>
+              <a:gd name="T52" fmla="*/ 690 w 1491"/>
+              <a:gd name="T53" fmla="*/ 1899 h 2012"/>
+              <a:gd name="T54" fmla="*/ 695 w 1491"/>
+              <a:gd name="T55" fmla="*/ 1869 h 2012"/>
+              <a:gd name="T56" fmla="*/ 712 w 1491"/>
+              <a:gd name="T57" fmla="*/ 1845 h 2012"/>
+              <a:gd name="T58" fmla="*/ 736 w 1491"/>
+              <a:gd name="T59" fmla="*/ 1828 h 2012"/>
+              <a:gd name="T60" fmla="*/ 765 w 1491"/>
+              <a:gd name="T61" fmla="*/ 1823 h 2012"/>
+              <a:gd name="T62" fmla="*/ 781 w 1491"/>
+              <a:gd name="T63" fmla="*/ 1823 h 2012"/>
+              <a:gd name="T64" fmla="*/ 808 w 1491"/>
+              <a:gd name="T65" fmla="*/ 1835 h 2012"/>
+              <a:gd name="T66" fmla="*/ 829 w 1491"/>
+              <a:gd name="T67" fmla="*/ 1856 h 2012"/>
+              <a:gd name="T68" fmla="*/ 841 w 1491"/>
+              <a:gd name="T69" fmla="*/ 1883 h 2012"/>
+              <a:gd name="T70" fmla="*/ 843 w 1491"/>
+              <a:gd name="T71" fmla="*/ 1899 h 2012"/>
+              <a:gd name="T72" fmla="*/ 836 w 1491"/>
+              <a:gd name="T73" fmla="*/ 1928 h 2012"/>
+              <a:gd name="T74" fmla="*/ 821 w 1491"/>
+              <a:gd name="T75" fmla="*/ 1952 h 2012"/>
+              <a:gd name="T76" fmla="*/ 796 w 1491"/>
+              <a:gd name="T77" fmla="*/ 1969 h 2012"/>
+              <a:gd name="T78" fmla="*/ 765 w 1491"/>
+              <a:gd name="T79" fmla="*/ 1974 h 2012"/>
+              <a:gd name="T80" fmla="*/ 765 w 1491"/>
+              <a:gd name="T81" fmla="*/ 1974 h 2012"/>
+              <a:gd name="T82" fmla="*/ 154 w 1491"/>
+              <a:gd name="T83" fmla="*/ 1757 h 2012"/>
+              <a:gd name="T84" fmla="*/ 1338 w 1491"/>
+              <a:gd name="T85" fmla="*/ 154 h 2012"/>
+              <a:gd name="T86" fmla="*/ 1338 w 1491"/>
+              <a:gd name="T87" fmla="*/ 1757 h 2012"/>
             </a:gdLst>
             <a:ahLst/>
             <a:cxnLst>
@@ -4023,266 +4198,281 @@
               <a:cxn ang="0">
                 <a:pos x="T82" y="T83"/>
               </a:cxn>
+              <a:cxn ang="0">
+                <a:pos x="T84" y="T85"/>
+              </a:cxn>
+              <a:cxn ang="0">
+                <a:pos x="T86" y="T87"/>
+              </a:cxn>
             </a:cxnLst>
             <a:rect l="0" t="0" r="r" b="b"/>
             <a:pathLst>
-              <a:path w="1367" h="1845">
+              <a:path w="1491" h="2012">
                 <a:moveTo>
-                  <a:pt x="1291" y="0"/>
+                  <a:pt x="1408" y="0"/>
                 </a:moveTo>
                 <a:lnTo>
-                  <a:pt x="76" y="0"/>
-                </a:lnTo>
-                <a:lnTo>
-                  <a:pt x="76" y="0"/>
-                </a:lnTo>
-                <a:lnTo>
-                  <a:pt x="60" y="2"/>
-                </a:lnTo>
-                <a:lnTo>
-                  <a:pt x="46" y="6"/>
-                </a:lnTo>
-                <a:lnTo>
-                  <a:pt x="33" y="13"/>
-                </a:lnTo>
-                <a:lnTo>
-                  <a:pt x="22" y="22"/>
-                </a:lnTo>
-                <a:lnTo>
-                  <a:pt x="13" y="33"/>
-                </a:lnTo>
-                <a:lnTo>
-                  <a:pt x="6" y="46"/>
-                </a:lnTo>
-                <a:lnTo>
-                  <a:pt x="2" y="60"/>
-                </a:lnTo>
-                <a:lnTo>
-                  <a:pt x="0" y="76"/>
-                </a:lnTo>
-                <a:lnTo>
-                  <a:pt x="0" y="1769"/>
-                </a:lnTo>
-                <a:lnTo>
-                  <a:pt x="0" y="1769"/>
-                </a:lnTo>
-                <a:lnTo>
-                  <a:pt x="2" y="1785"/>
-                </a:lnTo>
-                <a:lnTo>
-                  <a:pt x="6" y="1799"/>
-                </a:lnTo>
-                <a:lnTo>
-                  <a:pt x="13" y="1812"/>
-                </a:lnTo>
-                <a:lnTo>
-                  <a:pt x="22" y="1823"/>
-                </a:lnTo>
-                <a:lnTo>
-                  <a:pt x="33" y="1832"/>
-                </a:lnTo>
-                <a:lnTo>
-                  <a:pt x="46" y="1838"/>
-                </a:lnTo>
-                <a:lnTo>
-                  <a:pt x="60" y="1843"/>
-                </a:lnTo>
-                <a:lnTo>
-                  <a:pt x="76" y="1845"/>
-                </a:lnTo>
-                <a:lnTo>
-                  <a:pt x="1291" y="1845"/>
-                </a:lnTo>
-                <a:lnTo>
-                  <a:pt x="1291" y="1845"/>
-                </a:lnTo>
-                <a:lnTo>
-                  <a:pt x="1307" y="1843"/>
-                </a:lnTo>
-                <a:lnTo>
-                  <a:pt x="1321" y="1838"/>
-                </a:lnTo>
-                <a:lnTo>
-                  <a:pt x="1333" y="1832"/>
-                </a:lnTo>
-                <a:lnTo>
-                  <a:pt x="1345" y="1823"/>
-                </a:lnTo>
-                <a:lnTo>
-                  <a:pt x="1354" y="1812"/>
-                </a:lnTo>
-                <a:lnTo>
-                  <a:pt x="1360" y="1799"/>
-                </a:lnTo>
-                <a:lnTo>
-                  <a:pt x="1365" y="1785"/>
-                </a:lnTo>
-                <a:lnTo>
-                  <a:pt x="1367" y="1769"/>
-                </a:lnTo>
-                <a:lnTo>
-                  <a:pt x="1367" y="76"/>
-                </a:lnTo>
-                <a:lnTo>
-                  <a:pt x="1367" y="76"/>
-                </a:lnTo>
-                <a:lnTo>
-                  <a:pt x="1365" y="60"/>
-                </a:lnTo>
-                <a:lnTo>
-                  <a:pt x="1360" y="46"/>
-                </a:lnTo>
-                <a:lnTo>
-                  <a:pt x="1354" y="33"/>
-                </a:lnTo>
-                <a:lnTo>
-                  <a:pt x="1345" y="22"/>
-                </a:lnTo>
-                <a:lnTo>
-                  <a:pt x="1333" y="13"/>
-                </a:lnTo>
-                <a:lnTo>
-                  <a:pt x="1321" y="6"/>
-                </a:lnTo>
-                <a:lnTo>
-                  <a:pt x="1307" y="2"/>
-                </a:lnTo>
-                <a:lnTo>
-                  <a:pt x="1291" y="0"/>
-                </a:lnTo>
-                <a:lnTo>
-                  <a:pt x="1291" y="0"/>
+                  <a:pt x="83" y="0"/>
+                </a:lnTo>
+                <a:lnTo>
+                  <a:pt x="83" y="0"/>
+                </a:lnTo>
+                <a:lnTo>
+                  <a:pt x="66" y="2"/>
+                </a:lnTo>
+                <a:lnTo>
+                  <a:pt x="50" y="7"/>
+                </a:lnTo>
+                <a:lnTo>
+                  <a:pt x="37" y="14"/>
+                </a:lnTo>
+                <a:lnTo>
+                  <a:pt x="24" y="24"/>
+                </a:lnTo>
+                <a:lnTo>
+                  <a:pt x="14" y="36"/>
+                </a:lnTo>
+                <a:lnTo>
+                  <a:pt x="7" y="50"/>
+                </a:lnTo>
+                <a:lnTo>
+                  <a:pt x="2" y="66"/>
+                </a:lnTo>
+                <a:lnTo>
+                  <a:pt x="0" y="83"/>
+                </a:lnTo>
+                <a:lnTo>
+                  <a:pt x="0" y="1930"/>
+                </a:lnTo>
+                <a:lnTo>
+                  <a:pt x="0" y="1930"/>
+                </a:lnTo>
+                <a:lnTo>
+                  <a:pt x="2" y="1947"/>
+                </a:lnTo>
+                <a:lnTo>
+                  <a:pt x="7" y="1962"/>
+                </a:lnTo>
+                <a:lnTo>
+                  <a:pt x="14" y="1976"/>
+                </a:lnTo>
+                <a:lnTo>
+                  <a:pt x="24" y="1988"/>
+                </a:lnTo>
+                <a:lnTo>
+                  <a:pt x="37" y="1998"/>
+                </a:lnTo>
+                <a:lnTo>
+                  <a:pt x="50" y="2005"/>
+                </a:lnTo>
+                <a:lnTo>
+                  <a:pt x="66" y="2011"/>
+                </a:lnTo>
+                <a:lnTo>
+                  <a:pt x="83" y="2012"/>
+                </a:lnTo>
+                <a:lnTo>
+                  <a:pt x="1408" y="2012"/>
+                </a:lnTo>
+                <a:lnTo>
+                  <a:pt x="1408" y="2012"/>
+                </a:lnTo>
+                <a:lnTo>
+                  <a:pt x="1425" y="2011"/>
+                </a:lnTo>
+                <a:lnTo>
+                  <a:pt x="1441" y="2005"/>
+                </a:lnTo>
+                <a:lnTo>
+                  <a:pt x="1455" y="1998"/>
+                </a:lnTo>
+                <a:lnTo>
+                  <a:pt x="1467" y="1988"/>
+                </a:lnTo>
+                <a:lnTo>
+                  <a:pt x="1477" y="1976"/>
+                </a:lnTo>
+                <a:lnTo>
+                  <a:pt x="1484" y="1962"/>
+                </a:lnTo>
+                <a:lnTo>
+                  <a:pt x="1489" y="1947"/>
+                </a:lnTo>
+                <a:lnTo>
+                  <a:pt x="1491" y="1930"/>
+                </a:lnTo>
+                <a:lnTo>
+                  <a:pt x="1491" y="83"/>
+                </a:lnTo>
+                <a:lnTo>
+                  <a:pt x="1491" y="83"/>
+                </a:lnTo>
+                <a:lnTo>
+                  <a:pt x="1489" y="66"/>
+                </a:lnTo>
+                <a:lnTo>
+                  <a:pt x="1484" y="50"/>
+                </a:lnTo>
+                <a:lnTo>
+                  <a:pt x="1477" y="36"/>
+                </a:lnTo>
+                <a:lnTo>
+                  <a:pt x="1467" y="24"/>
+                </a:lnTo>
+                <a:lnTo>
+                  <a:pt x="1455" y="14"/>
+                </a:lnTo>
+                <a:lnTo>
+                  <a:pt x="1441" y="7"/>
+                </a:lnTo>
+                <a:lnTo>
+                  <a:pt x="1425" y="2"/>
+                </a:lnTo>
+                <a:lnTo>
+                  <a:pt x="1408" y="0"/>
+                </a:lnTo>
+                <a:lnTo>
+                  <a:pt x="1408" y="0"/>
+                </a:lnTo>
+                <a:lnTo>
+                  <a:pt x="1408" y="0"/>
                 </a:lnTo>
                 <a:close/>
                 <a:moveTo>
-                  <a:pt x="702" y="1810"/>
+                  <a:pt x="765" y="1974"/>
                 </a:moveTo>
                 <a:lnTo>
-                  <a:pt x="702" y="1810"/>
-                </a:lnTo>
-                <a:lnTo>
-                  <a:pt x="687" y="1808"/>
-                </a:lnTo>
-                <a:lnTo>
-                  <a:pt x="675" y="1805"/>
-                </a:lnTo>
-                <a:lnTo>
-                  <a:pt x="664" y="1799"/>
-                </a:lnTo>
-                <a:lnTo>
-                  <a:pt x="653" y="1789"/>
-                </a:lnTo>
-                <a:lnTo>
-                  <a:pt x="645" y="1780"/>
-                </a:lnTo>
-                <a:lnTo>
-                  <a:pt x="637" y="1767"/>
-                </a:lnTo>
-                <a:lnTo>
-                  <a:pt x="634" y="1755"/>
-                </a:lnTo>
-                <a:lnTo>
-                  <a:pt x="632" y="1740"/>
-                </a:lnTo>
-                <a:lnTo>
-                  <a:pt x="632" y="1740"/>
-                </a:lnTo>
-                <a:lnTo>
-                  <a:pt x="634" y="1726"/>
-                </a:lnTo>
-                <a:lnTo>
-                  <a:pt x="637" y="1714"/>
-                </a:lnTo>
-                <a:lnTo>
-                  <a:pt x="645" y="1701"/>
-                </a:lnTo>
-                <a:lnTo>
-                  <a:pt x="653" y="1691"/>
-                </a:lnTo>
-                <a:lnTo>
-                  <a:pt x="664" y="1682"/>
-                </a:lnTo>
-                <a:lnTo>
-                  <a:pt x="675" y="1676"/>
-                </a:lnTo>
-                <a:lnTo>
-                  <a:pt x="687" y="1671"/>
-                </a:lnTo>
-                <a:lnTo>
-                  <a:pt x="702" y="1671"/>
-                </a:lnTo>
-                <a:lnTo>
-                  <a:pt x="702" y="1671"/>
-                </a:lnTo>
-                <a:lnTo>
-                  <a:pt x="716" y="1671"/>
-                </a:lnTo>
-                <a:lnTo>
-                  <a:pt x="730" y="1676"/>
-                </a:lnTo>
-                <a:lnTo>
-                  <a:pt x="741" y="1682"/>
-                </a:lnTo>
-                <a:lnTo>
-                  <a:pt x="752" y="1691"/>
-                </a:lnTo>
-                <a:lnTo>
-                  <a:pt x="760" y="1701"/>
-                </a:lnTo>
-                <a:lnTo>
-                  <a:pt x="766" y="1714"/>
-                </a:lnTo>
-                <a:lnTo>
-                  <a:pt x="771" y="1726"/>
-                </a:lnTo>
-                <a:lnTo>
-                  <a:pt x="773" y="1740"/>
-                </a:lnTo>
-                <a:lnTo>
-                  <a:pt x="773" y="1740"/>
-                </a:lnTo>
-                <a:lnTo>
-                  <a:pt x="771" y="1755"/>
-                </a:lnTo>
-                <a:lnTo>
-                  <a:pt x="766" y="1767"/>
-                </a:lnTo>
-                <a:lnTo>
-                  <a:pt x="760" y="1780"/>
-                </a:lnTo>
-                <a:lnTo>
-                  <a:pt x="752" y="1789"/>
-                </a:lnTo>
-                <a:lnTo>
-                  <a:pt x="741" y="1799"/>
-                </a:lnTo>
-                <a:lnTo>
-                  <a:pt x="730" y="1805"/>
-                </a:lnTo>
-                <a:lnTo>
-                  <a:pt x="716" y="1808"/>
-                </a:lnTo>
-                <a:lnTo>
-                  <a:pt x="702" y="1810"/>
-                </a:lnTo>
-                <a:lnTo>
-                  <a:pt x="702" y="1810"/>
+                  <a:pt x="765" y="1974"/>
+                </a:lnTo>
+                <a:lnTo>
+                  <a:pt x="750" y="1973"/>
+                </a:lnTo>
+                <a:lnTo>
+                  <a:pt x="736" y="1969"/>
+                </a:lnTo>
+                <a:lnTo>
+                  <a:pt x="724" y="1962"/>
+                </a:lnTo>
+                <a:lnTo>
+                  <a:pt x="712" y="1952"/>
+                </a:lnTo>
+                <a:lnTo>
+                  <a:pt x="703" y="1942"/>
+                </a:lnTo>
+                <a:lnTo>
+                  <a:pt x="695" y="1928"/>
+                </a:lnTo>
+                <a:lnTo>
+                  <a:pt x="691" y="1914"/>
+                </a:lnTo>
+                <a:lnTo>
+                  <a:pt x="690" y="1899"/>
+                </a:lnTo>
+                <a:lnTo>
+                  <a:pt x="690" y="1899"/>
+                </a:lnTo>
+                <a:lnTo>
+                  <a:pt x="691" y="1883"/>
+                </a:lnTo>
+                <a:lnTo>
+                  <a:pt x="695" y="1869"/>
+                </a:lnTo>
+                <a:lnTo>
+                  <a:pt x="703" y="1856"/>
+                </a:lnTo>
+                <a:lnTo>
+                  <a:pt x="712" y="1845"/>
+                </a:lnTo>
+                <a:lnTo>
+                  <a:pt x="724" y="1835"/>
+                </a:lnTo>
+                <a:lnTo>
+                  <a:pt x="736" y="1828"/>
+                </a:lnTo>
+                <a:lnTo>
+                  <a:pt x="750" y="1823"/>
+                </a:lnTo>
+                <a:lnTo>
+                  <a:pt x="765" y="1823"/>
+                </a:lnTo>
+                <a:lnTo>
+                  <a:pt x="765" y="1823"/>
+                </a:lnTo>
+                <a:lnTo>
+                  <a:pt x="781" y="1823"/>
+                </a:lnTo>
+                <a:lnTo>
+                  <a:pt x="796" y="1828"/>
+                </a:lnTo>
+                <a:lnTo>
+                  <a:pt x="808" y="1835"/>
+                </a:lnTo>
+                <a:lnTo>
+                  <a:pt x="821" y="1845"/>
+                </a:lnTo>
+                <a:lnTo>
+                  <a:pt x="829" y="1856"/>
+                </a:lnTo>
+                <a:lnTo>
+                  <a:pt x="836" y="1869"/>
+                </a:lnTo>
+                <a:lnTo>
+                  <a:pt x="841" y="1883"/>
+                </a:lnTo>
+                <a:lnTo>
+                  <a:pt x="843" y="1899"/>
+                </a:lnTo>
+                <a:lnTo>
+                  <a:pt x="843" y="1899"/>
+                </a:lnTo>
+                <a:lnTo>
+                  <a:pt x="841" y="1914"/>
+                </a:lnTo>
+                <a:lnTo>
+                  <a:pt x="836" y="1928"/>
+                </a:lnTo>
+                <a:lnTo>
+                  <a:pt x="829" y="1942"/>
+                </a:lnTo>
+                <a:lnTo>
+                  <a:pt x="821" y="1952"/>
+                </a:lnTo>
+                <a:lnTo>
+                  <a:pt x="808" y="1962"/>
+                </a:lnTo>
+                <a:lnTo>
+                  <a:pt x="796" y="1969"/>
+                </a:lnTo>
+                <a:lnTo>
+                  <a:pt x="781" y="1973"/>
+                </a:lnTo>
+                <a:lnTo>
+                  <a:pt x="765" y="1974"/>
+                </a:lnTo>
+                <a:lnTo>
+                  <a:pt x="765" y="1974"/>
+                </a:lnTo>
+                <a:lnTo>
+                  <a:pt x="765" y="1974"/>
                 </a:lnTo>
                 <a:close/>
                 <a:moveTo>
-                  <a:pt x="1226" y="1611"/>
+                  <a:pt x="1338" y="1757"/>
                 </a:moveTo>
                 <a:lnTo>
-                  <a:pt x="141" y="1611"/>
-                </a:lnTo>
-                <a:lnTo>
-                  <a:pt x="141" y="141"/>
-                </a:lnTo>
-                <a:lnTo>
-                  <a:pt x="1226" y="141"/>
-                </a:lnTo>
-                <a:lnTo>
-                  <a:pt x="1226" y="1611"/>
+                  <a:pt x="154" y="1757"/>
+                </a:lnTo>
+                <a:lnTo>
+                  <a:pt x="154" y="154"/>
+                </a:lnTo>
+                <a:lnTo>
+                  <a:pt x="1338" y="154"/>
+                </a:lnTo>
+                <a:lnTo>
+                  <a:pt x="1338" y="1757"/>
+                </a:lnTo>
+                <a:lnTo>
+                  <a:pt x="1338" y="1757"/>
                 </a:lnTo>
                 <a:close/>
               </a:path>
@@ -4309,16 +4499,16 @@
       </p:sp>
       <p:grpSp>
         <p:nvGrpSpPr>
-          <p:cNvPr id="26" name="Gruppieren 25"/>
+          <p:cNvPr id="30" name="Gruppieren 29"/>
           <p:cNvGrpSpPr/>
           <p:nvPr/>
         </p:nvGrpSpPr>
         <p:grpSpPr>
           <a:xfrm>
-            <a:off x="3832225" y="3894388"/>
-            <a:ext cx="2914650" cy="1939925"/>
-            <a:chOff x="3832225" y="4344988"/>
-            <a:chExt cx="2914650" cy="1939925"/>
+            <a:off x="3840989" y="3809818"/>
+            <a:ext cx="3178175" cy="2116138"/>
+            <a:chOff x="3754438" y="3609975"/>
+            <a:chExt cx="3178175" cy="2116138"/>
           </a:xfrm>
           <a:solidFill>
             <a:schemeClr val="bg1"/>
@@ -4326,7 +4516,7 @@
         </p:grpSpPr>
         <p:sp>
           <p:nvSpPr>
-            <p:cNvPr id="20" name="Freeform 11"/>
+            <p:cNvPr id="11" name="Freeform 7"/>
             <p:cNvSpPr>
               <a:spLocks noEditPoints="1"/>
             </p:cNvSpPr>
@@ -4334,40 +4524,44 @@
           </p:nvSpPr>
           <p:spPr bwMode="auto">
             <a:xfrm>
-              <a:off x="4113213" y="4344988"/>
-              <a:ext cx="2354263" cy="1544638"/>
+              <a:off x="4060826" y="3609975"/>
+              <a:ext cx="2566988" cy="1685925"/>
             </a:xfrm>
             <a:custGeom>
               <a:avLst/>
               <a:gdLst>
-                <a:gd name="T0" fmla="*/ 0 w 2965"/>
-                <a:gd name="T1" fmla="*/ 0 h 1948"/>
-                <a:gd name="T2" fmla="*/ 0 w 2965"/>
-                <a:gd name="T3" fmla="*/ 1948 h 1948"/>
-                <a:gd name="T4" fmla="*/ 609 w 2965"/>
-                <a:gd name="T5" fmla="*/ 1948 h 1948"/>
-                <a:gd name="T6" fmla="*/ 1297 w 2965"/>
-                <a:gd name="T7" fmla="*/ 1948 h 1948"/>
-                <a:gd name="T8" fmla="*/ 1670 w 2965"/>
-                <a:gd name="T9" fmla="*/ 1948 h 1948"/>
-                <a:gd name="T10" fmla="*/ 2358 w 2965"/>
-                <a:gd name="T11" fmla="*/ 1948 h 1948"/>
-                <a:gd name="T12" fmla="*/ 2965 w 2965"/>
-                <a:gd name="T13" fmla="*/ 1948 h 1948"/>
-                <a:gd name="T14" fmla="*/ 2965 w 2965"/>
-                <a:gd name="T15" fmla="*/ 0 h 1948"/>
-                <a:gd name="T16" fmla="*/ 0 w 2965"/>
-                <a:gd name="T17" fmla="*/ 0 h 1948"/>
-                <a:gd name="T18" fmla="*/ 2823 w 2965"/>
-                <a:gd name="T19" fmla="*/ 1816 h 1948"/>
-                <a:gd name="T20" fmla="*/ 142 w 2965"/>
-                <a:gd name="T21" fmla="*/ 1816 h 1948"/>
-                <a:gd name="T22" fmla="*/ 142 w 2965"/>
-                <a:gd name="T23" fmla="*/ 133 h 1948"/>
-                <a:gd name="T24" fmla="*/ 2823 w 2965"/>
-                <a:gd name="T25" fmla="*/ 133 h 1948"/>
-                <a:gd name="T26" fmla="*/ 2823 w 2965"/>
-                <a:gd name="T27" fmla="*/ 1816 h 1948"/>
+                <a:gd name="T0" fmla="*/ 0 w 3235"/>
+                <a:gd name="T1" fmla="*/ 0 h 2124"/>
+                <a:gd name="T2" fmla="*/ 0 w 3235"/>
+                <a:gd name="T3" fmla="*/ 2124 h 2124"/>
+                <a:gd name="T4" fmla="*/ 665 w 3235"/>
+                <a:gd name="T5" fmla="*/ 2124 h 2124"/>
+                <a:gd name="T6" fmla="*/ 1415 w 3235"/>
+                <a:gd name="T7" fmla="*/ 2124 h 2124"/>
+                <a:gd name="T8" fmla="*/ 1822 w 3235"/>
+                <a:gd name="T9" fmla="*/ 2124 h 2124"/>
+                <a:gd name="T10" fmla="*/ 2573 w 3235"/>
+                <a:gd name="T11" fmla="*/ 2124 h 2124"/>
+                <a:gd name="T12" fmla="*/ 3235 w 3235"/>
+                <a:gd name="T13" fmla="*/ 2124 h 2124"/>
+                <a:gd name="T14" fmla="*/ 3235 w 3235"/>
+                <a:gd name="T15" fmla="*/ 0 h 2124"/>
+                <a:gd name="T16" fmla="*/ 0 w 3235"/>
+                <a:gd name="T17" fmla="*/ 0 h 2124"/>
+                <a:gd name="T18" fmla="*/ 0 w 3235"/>
+                <a:gd name="T19" fmla="*/ 0 h 2124"/>
+                <a:gd name="T20" fmla="*/ 3080 w 3235"/>
+                <a:gd name="T21" fmla="*/ 1981 h 2124"/>
+                <a:gd name="T22" fmla="*/ 155 w 3235"/>
+                <a:gd name="T23" fmla="*/ 1981 h 2124"/>
+                <a:gd name="T24" fmla="*/ 155 w 3235"/>
+                <a:gd name="T25" fmla="*/ 144 h 2124"/>
+                <a:gd name="T26" fmla="*/ 3080 w 3235"/>
+                <a:gd name="T27" fmla="*/ 144 h 2124"/>
+                <a:gd name="T28" fmla="*/ 3080 w 3235"/>
+                <a:gd name="T29" fmla="*/ 1981 h 2124"/>
+                <a:gd name="T30" fmla="*/ 3080 w 3235"/>
+                <a:gd name="T31" fmla="*/ 1981 h 2124"/>
               </a:gdLst>
               <a:ahLst/>
               <a:cxnLst>
@@ -4413,52 +4607,64 @@
                 <a:cxn ang="0">
                   <a:pos x="T26" y="T27"/>
                 </a:cxn>
+                <a:cxn ang="0">
+                  <a:pos x="T28" y="T29"/>
+                </a:cxn>
+                <a:cxn ang="0">
+                  <a:pos x="T30" y="T31"/>
+                </a:cxn>
               </a:cxnLst>
               <a:rect l="0" t="0" r="r" b="b"/>
               <a:pathLst>
-                <a:path w="2965" h="1948">
+                <a:path w="3235" h="2124">
                   <a:moveTo>
                     <a:pt x="0" y="0"/>
                   </a:moveTo>
                   <a:lnTo>
-                    <a:pt x="0" y="1948"/>
-                  </a:lnTo>
-                  <a:lnTo>
-                    <a:pt x="609" y="1948"/>
-                  </a:lnTo>
-                  <a:lnTo>
-                    <a:pt x="1297" y="1948"/>
-                  </a:lnTo>
-                  <a:lnTo>
-                    <a:pt x="1670" y="1948"/>
-                  </a:lnTo>
-                  <a:lnTo>
-                    <a:pt x="2358" y="1948"/>
-                  </a:lnTo>
-                  <a:lnTo>
-                    <a:pt x="2965" y="1948"/>
-                  </a:lnTo>
-                  <a:lnTo>
-                    <a:pt x="2965" y="0"/>
+                    <a:pt x="0" y="2124"/>
+                  </a:lnTo>
+                  <a:lnTo>
+                    <a:pt x="665" y="2124"/>
+                  </a:lnTo>
+                  <a:lnTo>
+                    <a:pt x="1415" y="2124"/>
+                  </a:lnTo>
+                  <a:lnTo>
+                    <a:pt x="1822" y="2124"/>
+                  </a:lnTo>
+                  <a:lnTo>
+                    <a:pt x="2573" y="2124"/>
+                  </a:lnTo>
+                  <a:lnTo>
+                    <a:pt x="3235" y="2124"/>
+                  </a:lnTo>
+                  <a:lnTo>
+                    <a:pt x="3235" y="0"/>
+                  </a:lnTo>
+                  <a:lnTo>
+                    <a:pt x="0" y="0"/>
                   </a:lnTo>
                   <a:lnTo>
                     <a:pt x="0" y="0"/>
                   </a:lnTo>
                   <a:close/>
                   <a:moveTo>
-                    <a:pt x="2823" y="1816"/>
+                    <a:pt x="3080" y="1981"/>
                   </a:moveTo>
                   <a:lnTo>
-                    <a:pt x="142" y="1816"/>
-                  </a:lnTo>
-                  <a:lnTo>
-                    <a:pt x="142" y="133"/>
-                  </a:lnTo>
-                  <a:lnTo>
-                    <a:pt x="2823" y="133"/>
-                  </a:lnTo>
-                  <a:lnTo>
-                    <a:pt x="2823" y="1816"/>
+                    <a:pt x="155" y="1981"/>
+                  </a:lnTo>
+                  <a:lnTo>
+                    <a:pt x="155" y="144"/>
+                  </a:lnTo>
+                  <a:lnTo>
+                    <a:pt x="3080" y="144"/>
+                  </a:lnTo>
+                  <a:lnTo>
+                    <a:pt x="3080" y="1981"/>
+                  </a:lnTo>
+                  <a:lnTo>
+                    <a:pt x="3080" y="1981"/>
                   </a:lnTo>
                   <a:close/>
                 </a:path>
@@ -4495,7 +4701,7 @@
         </p:sp>
         <p:sp>
           <p:nvSpPr>
-            <p:cNvPr id="21" name="Freeform 12"/>
+            <p:cNvPr id="13" name="Freeform 8"/>
             <p:cNvSpPr>
               <a:spLocks/>
             </p:cNvSpPr>
@@ -4503,22 +4709,24 @@
           </p:nvSpPr>
           <p:spPr bwMode="auto">
             <a:xfrm>
-              <a:off x="3832225" y="5889625"/>
-              <a:ext cx="2914650" cy="322263"/>
+              <a:off x="3754438" y="5307013"/>
+              <a:ext cx="3178175" cy="339725"/>
             </a:xfrm>
             <a:custGeom>
               <a:avLst/>
               <a:gdLst>
-                <a:gd name="T0" fmla="*/ 0 w 3671"/>
-                <a:gd name="T1" fmla="*/ 405 h 405"/>
-                <a:gd name="T2" fmla="*/ 3671 w 3671"/>
-                <a:gd name="T3" fmla="*/ 405 h 405"/>
-                <a:gd name="T4" fmla="*/ 3319 w 3671"/>
-                <a:gd name="T5" fmla="*/ 0 h 405"/>
-                <a:gd name="T6" fmla="*/ 352 w 3671"/>
-                <a:gd name="T7" fmla="*/ 0 h 405"/>
-                <a:gd name="T8" fmla="*/ 0 w 3671"/>
-                <a:gd name="T9" fmla="*/ 405 h 405"/>
+                <a:gd name="T0" fmla="*/ 0 w 4005"/>
+                <a:gd name="T1" fmla="*/ 429 h 429"/>
+                <a:gd name="T2" fmla="*/ 4005 w 4005"/>
+                <a:gd name="T3" fmla="*/ 429 h 429"/>
+                <a:gd name="T4" fmla="*/ 3621 w 4005"/>
+                <a:gd name="T5" fmla="*/ 0 h 429"/>
+                <a:gd name="T6" fmla="*/ 385 w 4005"/>
+                <a:gd name="T7" fmla="*/ 0 h 429"/>
+                <a:gd name="T8" fmla="*/ 0 w 4005"/>
+                <a:gd name="T9" fmla="*/ 429 h 429"/>
+                <a:gd name="T10" fmla="*/ 0 w 4005"/>
+                <a:gd name="T11" fmla="*/ 429 h 429"/>
               </a:gdLst>
               <a:ahLst/>
               <a:cxnLst>
@@ -4537,24 +4745,30 @@
                 <a:cxn ang="0">
                   <a:pos x="T8" y="T9"/>
                 </a:cxn>
+                <a:cxn ang="0">
+                  <a:pos x="T10" y="T11"/>
+                </a:cxn>
               </a:cxnLst>
               <a:rect l="0" t="0" r="r" b="b"/>
               <a:pathLst>
-                <a:path w="3671" h="405">
+                <a:path w="4005" h="429">
                   <a:moveTo>
-                    <a:pt x="0" y="405"/>
+                    <a:pt x="0" y="429"/>
                   </a:moveTo>
                   <a:lnTo>
-                    <a:pt x="3671" y="405"/>
-                  </a:lnTo>
-                  <a:lnTo>
-                    <a:pt x="3319" y="0"/>
-                  </a:lnTo>
-                  <a:lnTo>
-                    <a:pt x="352" y="0"/>
-                  </a:lnTo>
-                  <a:lnTo>
-                    <a:pt x="0" y="405"/>
+                    <a:pt x="4005" y="429"/>
+                  </a:lnTo>
+                  <a:lnTo>
+                    <a:pt x="3621" y="0"/>
+                  </a:lnTo>
+                  <a:lnTo>
+                    <a:pt x="385" y="0"/>
+                  </a:lnTo>
+                  <a:lnTo>
+                    <a:pt x="0" y="429"/>
+                  </a:lnTo>
+                  <a:lnTo>
+                    <a:pt x="0" y="429"/>
                   </a:lnTo>
                   <a:close/>
                 </a:path>
@@ -4591,20 +4805,79 @@
         </p:sp>
         <p:sp>
           <p:nvSpPr>
-            <p:cNvPr id="22" name="Rectangle 13"/>
+            <p:cNvPr id="14" name="Freeform 9"/>
             <p:cNvSpPr>
-              <a:spLocks noChangeArrowheads="1"/>
+              <a:spLocks/>
             </p:cNvSpPr>
             <p:nvPr/>
           </p:nvSpPr>
           <p:spPr bwMode="auto">
             <a:xfrm>
-              <a:off x="3832225" y="6223000"/>
-              <a:ext cx="2914650" cy="61913"/>
+              <a:off x="3754438" y="5659438"/>
+              <a:ext cx="3178175" cy="66675"/>
             </a:xfrm>
-            <a:prstGeom prst="rect">
+            <a:custGeom>
               <a:avLst/>
-            </a:prstGeom>
+              <a:gdLst>
+                <a:gd name="T0" fmla="*/ 0 w 4005"/>
+                <a:gd name="T1" fmla="*/ 84 h 84"/>
+                <a:gd name="T2" fmla="*/ 4005 w 4005"/>
+                <a:gd name="T3" fmla="*/ 84 h 84"/>
+                <a:gd name="T4" fmla="*/ 4005 w 4005"/>
+                <a:gd name="T5" fmla="*/ 0 h 84"/>
+                <a:gd name="T6" fmla="*/ 0 w 4005"/>
+                <a:gd name="T7" fmla="*/ 0 h 84"/>
+                <a:gd name="T8" fmla="*/ 0 w 4005"/>
+                <a:gd name="T9" fmla="*/ 84 h 84"/>
+                <a:gd name="T10" fmla="*/ 0 w 4005"/>
+                <a:gd name="T11" fmla="*/ 84 h 84"/>
+              </a:gdLst>
+              <a:ahLst/>
+              <a:cxnLst>
+                <a:cxn ang="0">
+                  <a:pos x="T0" y="T1"/>
+                </a:cxn>
+                <a:cxn ang="0">
+                  <a:pos x="T2" y="T3"/>
+                </a:cxn>
+                <a:cxn ang="0">
+                  <a:pos x="T4" y="T5"/>
+                </a:cxn>
+                <a:cxn ang="0">
+                  <a:pos x="T6" y="T7"/>
+                </a:cxn>
+                <a:cxn ang="0">
+                  <a:pos x="T8" y="T9"/>
+                </a:cxn>
+                <a:cxn ang="0">
+                  <a:pos x="T10" y="T11"/>
+                </a:cxn>
+              </a:cxnLst>
+              <a:rect l="0" t="0" r="r" b="b"/>
+              <a:pathLst>
+                <a:path w="4005" h="84">
+                  <a:moveTo>
+                    <a:pt x="0" y="84"/>
+                  </a:moveTo>
+                  <a:lnTo>
+                    <a:pt x="4005" y="84"/>
+                  </a:lnTo>
+                  <a:lnTo>
+                    <a:pt x="4005" y="0"/>
+                  </a:lnTo>
+                  <a:lnTo>
+                    <a:pt x="0" y="0"/>
+                  </a:lnTo>
+                  <a:lnTo>
+                    <a:pt x="0" y="84"/>
+                  </a:lnTo>
+                  <a:lnTo>
+                    <a:pt x="0" y="84"/>
+                  </a:lnTo>
+                  <a:close/>
+                </a:path>
+              </a:pathLst>
+            </a:custGeom>
             <a:grpFill/>
             <a:ln>
               <a:noFill/>
@@ -4615,7 +4888,7 @@
                   <a:solidFill>
                     <a:srgbClr val="000000"/>
                   </a:solidFill>
-                  <a:miter lim="800000"/>
+                  <a:round/>
                   <a:headEnd/>
                   <a:tailEnd/>
                 </a14:hiddenLine>
@@ -4637,16 +4910,16 @@
       </p:grpSp>
       <p:grpSp>
         <p:nvGrpSpPr>
-          <p:cNvPr id="27" name="Gruppieren 26"/>
+          <p:cNvPr id="29" name="Gruppieren 28"/>
           <p:cNvGrpSpPr/>
           <p:nvPr/>
         </p:nvGrpSpPr>
         <p:grpSpPr>
           <a:xfrm>
-            <a:off x="1590675" y="4877050"/>
-            <a:ext cx="496888" cy="957263"/>
-            <a:chOff x="1590675" y="5327650"/>
-            <a:chExt cx="496888" cy="957263"/>
+            <a:off x="1233555" y="4746443"/>
+            <a:ext cx="612775" cy="1181100"/>
+            <a:chOff x="1316038" y="4546600"/>
+            <a:chExt cx="612775" cy="1181100"/>
           </a:xfrm>
           <a:solidFill>
             <a:schemeClr val="bg1"/>
@@ -4654,7 +4927,7 @@
         </p:grpSpPr>
         <p:sp>
           <p:nvSpPr>
-            <p:cNvPr id="23" name="Freeform 14"/>
+            <p:cNvPr id="16" name="Freeform 10"/>
             <p:cNvSpPr>
               <a:spLocks noEditPoints="1"/>
             </p:cNvSpPr>
@@ -4662,32 +4935,36 @@
           </p:nvSpPr>
           <p:spPr bwMode="auto">
             <a:xfrm>
-              <a:off x="1590675" y="5381625"/>
-              <a:ext cx="496888" cy="846138"/>
+              <a:off x="1316038" y="4614863"/>
+              <a:ext cx="612775" cy="1041400"/>
             </a:xfrm>
             <a:custGeom>
               <a:avLst/>
               <a:gdLst>
-                <a:gd name="T0" fmla="*/ 0 w 626"/>
-                <a:gd name="T1" fmla="*/ 0 h 1064"/>
-                <a:gd name="T2" fmla="*/ 0 w 626"/>
-                <a:gd name="T3" fmla="*/ 1064 h 1064"/>
-                <a:gd name="T4" fmla="*/ 626 w 626"/>
-                <a:gd name="T5" fmla="*/ 1064 h 1064"/>
-                <a:gd name="T6" fmla="*/ 626 w 626"/>
-                <a:gd name="T7" fmla="*/ 0 h 1064"/>
-                <a:gd name="T8" fmla="*/ 0 w 626"/>
-                <a:gd name="T9" fmla="*/ 0 h 1064"/>
-                <a:gd name="T10" fmla="*/ 613 w 626"/>
-                <a:gd name="T11" fmla="*/ 1049 h 1064"/>
-                <a:gd name="T12" fmla="*/ 13 w 626"/>
-                <a:gd name="T13" fmla="*/ 1049 h 1064"/>
-                <a:gd name="T14" fmla="*/ 13 w 626"/>
-                <a:gd name="T15" fmla="*/ 16 h 1064"/>
-                <a:gd name="T16" fmla="*/ 613 w 626"/>
-                <a:gd name="T17" fmla="*/ 16 h 1064"/>
-                <a:gd name="T18" fmla="*/ 613 w 626"/>
-                <a:gd name="T19" fmla="*/ 1049 h 1064"/>
+                <a:gd name="T0" fmla="*/ 0 w 772"/>
+                <a:gd name="T1" fmla="*/ 0 h 1312"/>
+                <a:gd name="T2" fmla="*/ 0 w 772"/>
+                <a:gd name="T3" fmla="*/ 1312 h 1312"/>
+                <a:gd name="T4" fmla="*/ 772 w 772"/>
+                <a:gd name="T5" fmla="*/ 1312 h 1312"/>
+                <a:gd name="T6" fmla="*/ 772 w 772"/>
+                <a:gd name="T7" fmla="*/ 0 h 1312"/>
+                <a:gd name="T8" fmla="*/ 0 w 772"/>
+                <a:gd name="T9" fmla="*/ 0 h 1312"/>
+                <a:gd name="T10" fmla="*/ 0 w 772"/>
+                <a:gd name="T11" fmla="*/ 0 h 1312"/>
+                <a:gd name="T12" fmla="*/ 756 w 772"/>
+                <a:gd name="T13" fmla="*/ 1293 h 1312"/>
+                <a:gd name="T14" fmla="*/ 16 w 772"/>
+                <a:gd name="T15" fmla="*/ 1293 h 1312"/>
+                <a:gd name="T16" fmla="*/ 16 w 772"/>
+                <a:gd name="T17" fmla="*/ 19 h 1312"/>
+                <a:gd name="T18" fmla="*/ 756 w 772"/>
+                <a:gd name="T19" fmla="*/ 19 h 1312"/>
+                <a:gd name="T20" fmla="*/ 756 w 772"/>
+                <a:gd name="T21" fmla="*/ 1293 h 1312"/>
+                <a:gd name="T22" fmla="*/ 756 w 772"/>
+                <a:gd name="T23" fmla="*/ 1293 h 1312"/>
               </a:gdLst>
               <a:ahLst/>
               <a:cxnLst>
@@ -4721,40 +4998,52 @@
                 <a:cxn ang="0">
                   <a:pos x="T18" y="T19"/>
                 </a:cxn>
+                <a:cxn ang="0">
+                  <a:pos x="T20" y="T21"/>
+                </a:cxn>
+                <a:cxn ang="0">
+                  <a:pos x="T22" y="T23"/>
+                </a:cxn>
               </a:cxnLst>
               <a:rect l="0" t="0" r="r" b="b"/>
               <a:pathLst>
-                <a:path w="626" h="1064">
+                <a:path w="772" h="1312">
                   <a:moveTo>
                     <a:pt x="0" y="0"/>
                   </a:moveTo>
                   <a:lnTo>
-                    <a:pt x="0" y="1064"/>
-                  </a:lnTo>
-                  <a:lnTo>
-                    <a:pt x="626" y="1064"/>
-                  </a:lnTo>
-                  <a:lnTo>
-                    <a:pt x="626" y="0"/>
+                    <a:pt x="0" y="1312"/>
+                  </a:lnTo>
+                  <a:lnTo>
+                    <a:pt x="772" y="1312"/>
+                  </a:lnTo>
+                  <a:lnTo>
+                    <a:pt x="772" y="0"/>
+                  </a:lnTo>
+                  <a:lnTo>
+                    <a:pt x="0" y="0"/>
                   </a:lnTo>
                   <a:lnTo>
                     <a:pt x="0" y="0"/>
                   </a:lnTo>
                   <a:close/>
                   <a:moveTo>
-                    <a:pt x="613" y="1049"/>
+                    <a:pt x="756" y="1293"/>
                   </a:moveTo>
                   <a:lnTo>
-                    <a:pt x="13" y="1049"/>
-                  </a:lnTo>
-                  <a:lnTo>
-                    <a:pt x="13" y="16"/>
-                  </a:lnTo>
-                  <a:lnTo>
-                    <a:pt x="613" y="16"/>
-                  </a:lnTo>
-                  <a:lnTo>
-                    <a:pt x="613" y="1049"/>
+                    <a:pt x="16" y="1293"/>
+                  </a:lnTo>
+                  <a:lnTo>
+                    <a:pt x="16" y="19"/>
+                  </a:lnTo>
+                  <a:lnTo>
+                    <a:pt x="756" y="19"/>
+                  </a:lnTo>
+                  <a:lnTo>
+                    <a:pt x="756" y="1293"/>
+                  </a:lnTo>
+                  <a:lnTo>
+                    <a:pt x="756" y="1293"/>
                   </a:lnTo>
                   <a:close/>
                 </a:path>
@@ -4791,7 +5080,7 @@
         </p:sp>
         <p:sp>
           <p:nvSpPr>
-            <p:cNvPr id="24" name="Freeform 15"/>
+            <p:cNvPr id="17" name="Freeform 11"/>
             <p:cNvSpPr>
               <a:spLocks/>
             </p:cNvSpPr>
@@ -4799,76 +5088,78 @@
           </p:nvSpPr>
           <p:spPr bwMode="auto">
             <a:xfrm>
-              <a:off x="1590675" y="6234113"/>
-              <a:ext cx="496888" cy="50800"/>
+              <a:off x="1316038" y="5664200"/>
+              <a:ext cx="612775" cy="63500"/>
             </a:xfrm>
             <a:custGeom>
               <a:avLst/>
               <a:gdLst>
-                <a:gd name="T0" fmla="*/ 536 w 626"/>
-                <a:gd name="T1" fmla="*/ 65 h 65"/>
-                <a:gd name="T2" fmla="*/ 536 w 626"/>
-                <a:gd name="T3" fmla="*/ 65 h 65"/>
-                <a:gd name="T4" fmla="*/ 313 w 626"/>
-                <a:gd name="T5" fmla="*/ 65 h 65"/>
-                <a:gd name="T6" fmla="*/ 313 w 626"/>
-                <a:gd name="T7" fmla="*/ 65 h 65"/>
-                <a:gd name="T8" fmla="*/ 90 w 626"/>
-                <a:gd name="T9" fmla="*/ 65 h 65"/>
-                <a:gd name="T10" fmla="*/ 90 w 626"/>
-                <a:gd name="T11" fmla="*/ 65 h 65"/>
-                <a:gd name="T12" fmla="*/ 74 w 626"/>
-                <a:gd name="T13" fmla="*/ 65 h 65"/>
-                <a:gd name="T14" fmla="*/ 60 w 626"/>
-                <a:gd name="T15" fmla="*/ 62 h 65"/>
-                <a:gd name="T16" fmla="*/ 49 w 626"/>
-                <a:gd name="T17" fmla="*/ 59 h 65"/>
-                <a:gd name="T18" fmla="*/ 38 w 626"/>
-                <a:gd name="T19" fmla="*/ 56 h 65"/>
-                <a:gd name="T20" fmla="*/ 30 w 626"/>
-                <a:gd name="T21" fmla="*/ 51 h 65"/>
-                <a:gd name="T22" fmla="*/ 22 w 626"/>
-                <a:gd name="T23" fmla="*/ 44 h 65"/>
-                <a:gd name="T24" fmla="*/ 16 w 626"/>
-                <a:gd name="T25" fmla="*/ 38 h 65"/>
-                <a:gd name="T26" fmla="*/ 11 w 626"/>
-                <a:gd name="T27" fmla="*/ 33 h 65"/>
-                <a:gd name="T28" fmla="*/ 5 w 626"/>
-                <a:gd name="T29" fmla="*/ 21 h 65"/>
-                <a:gd name="T30" fmla="*/ 2 w 626"/>
-                <a:gd name="T31" fmla="*/ 11 h 65"/>
-                <a:gd name="T32" fmla="*/ 0 w 626"/>
-                <a:gd name="T33" fmla="*/ 0 h 65"/>
-                <a:gd name="T34" fmla="*/ 313 w 626"/>
-                <a:gd name="T35" fmla="*/ 0 h 65"/>
-                <a:gd name="T36" fmla="*/ 626 w 626"/>
-                <a:gd name="T37" fmla="*/ 0 h 65"/>
-                <a:gd name="T38" fmla="*/ 626 w 626"/>
-                <a:gd name="T39" fmla="*/ 0 h 65"/>
-                <a:gd name="T40" fmla="*/ 624 w 626"/>
-                <a:gd name="T41" fmla="*/ 11 h 65"/>
-                <a:gd name="T42" fmla="*/ 621 w 626"/>
-                <a:gd name="T43" fmla="*/ 21 h 65"/>
-                <a:gd name="T44" fmla="*/ 615 w 626"/>
-                <a:gd name="T45" fmla="*/ 33 h 65"/>
-                <a:gd name="T46" fmla="*/ 610 w 626"/>
-                <a:gd name="T47" fmla="*/ 38 h 65"/>
-                <a:gd name="T48" fmla="*/ 603 w 626"/>
-                <a:gd name="T49" fmla="*/ 44 h 65"/>
-                <a:gd name="T50" fmla="*/ 596 w 626"/>
-                <a:gd name="T51" fmla="*/ 51 h 65"/>
-                <a:gd name="T52" fmla="*/ 588 w 626"/>
-                <a:gd name="T53" fmla="*/ 56 h 65"/>
-                <a:gd name="T54" fmla="*/ 577 w 626"/>
-                <a:gd name="T55" fmla="*/ 59 h 65"/>
-                <a:gd name="T56" fmla="*/ 566 w 626"/>
-                <a:gd name="T57" fmla="*/ 62 h 65"/>
-                <a:gd name="T58" fmla="*/ 551 w 626"/>
-                <a:gd name="T59" fmla="*/ 65 h 65"/>
-                <a:gd name="T60" fmla="*/ 536 w 626"/>
-                <a:gd name="T61" fmla="*/ 65 h 65"/>
-                <a:gd name="T62" fmla="*/ 536 w 626"/>
-                <a:gd name="T63" fmla="*/ 65 h 65"/>
+                <a:gd name="T0" fmla="*/ 660 w 772"/>
+                <a:gd name="T1" fmla="*/ 79 h 79"/>
+                <a:gd name="T2" fmla="*/ 660 w 772"/>
+                <a:gd name="T3" fmla="*/ 79 h 79"/>
+                <a:gd name="T4" fmla="*/ 386 w 772"/>
+                <a:gd name="T5" fmla="*/ 79 h 79"/>
+                <a:gd name="T6" fmla="*/ 386 w 772"/>
+                <a:gd name="T7" fmla="*/ 79 h 79"/>
+                <a:gd name="T8" fmla="*/ 110 w 772"/>
+                <a:gd name="T9" fmla="*/ 79 h 79"/>
+                <a:gd name="T10" fmla="*/ 110 w 772"/>
+                <a:gd name="T11" fmla="*/ 79 h 79"/>
+                <a:gd name="T12" fmla="*/ 91 w 772"/>
+                <a:gd name="T13" fmla="*/ 79 h 79"/>
+                <a:gd name="T14" fmla="*/ 74 w 772"/>
+                <a:gd name="T15" fmla="*/ 76 h 79"/>
+                <a:gd name="T16" fmla="*/ 60 w 772"/>
+                <a:gd name="T17" fmla="*/ 70 h 79"/>
+                <a:gd name="T18" fmla="*/ 47 w 772"/>
+                <a:gd name="T19" fmla="*/ 67 h 79"/>
+                <a:gd name="T20" fmla="*/ 36 w 772"/>
+                <a:gd name="T21" fmla="*/ 62 h 79"/>
+                <a:gd name="T22" fmla="*/ 28 w 772"/>
+                <a:gd name="T23" fmla="*/ 53 h 79"/>
+                <a:gd name="T24" fmla="*/ 19 w 772"/>
+                <a:gd name="T25" fmla="*/ 46 h 79"/>
+                <a:gd name="T26" fmla="*/ 14 w 772"/>
+                <a:gd name="T27" fmla="*/ 39 h 79"/>
+                <a:gd name="T28" fmla="*/ 5 w 772"/>
+                <a:gd name="T29" fmla="*/ 24 h 79"/>
+                <a:gd name="T30" fmla="*/ 2 w 772"/>
+                <a:gd name="T31" fmla="*/ 14 h 79"/>
+                <a:gd name="T32" fmla="*/ 0 w 772"/>
+                <a:gd name="T33" fmla="*/ 0 h 79"/>
+                <a:gd name="T34" fmla="*/ 386 w 772"/>
+                <a:gd name="T35" fmla="*/ 0 h 79"/>
+                <a:gd name="T36" fmla="*/ 772 w 772"/>
+                <a:gd name="T37" fmla="*/ 0 h 79"/>
+                <a:gd name="T38" fmla="*/ 772 w 772"/>
+                <a:gd name="T39" fmla="*/ 0 h 79"/>
+                <a:gd name="T40" fmla="*/ 770 w 772"/>
+                <a:gd name="T41" fmla="*/ 14 h 79"/>
+                <a:gd name="T42" fmla="*/ 765 w 772"/>
+                <a:gd name="T43" fmla="*/ 24 h 79"/>
+                <a:gd name="T44" fmla="*/ 758 w 772"/>
+                <a:gd name="T45" fmla="*/ 39 h 79"/>
+                <a:gd name="T46" fmla="*/ 751 w 772"/>
+                <a:gd name="T47" fmla="*/ 46 h 79"/>
+                <a:gd name="T48" fmla="*/ 744 w 772"/>
+                <a:gd name="T49" fmla="*/ 53 h 79"/>
+                <a:gd name="T50" fmla="*/ 734 w 772"/>
+                <a:gd name="T51" fmla="*/ 62 h 79"/>
+                <a:gd name="T52" fmla="*/ 725 w 772"/>
+                <a:gd name="T53" fmla="*/ 67 h 79"/>
+                <a:gd name="T54" fmla="*/ 712 w 772"/>
+                <a:gd name="T55" fmla="*/ 70 h 79"/>
+                <a:gd name="T56" fmla="*/ 698 w 772"/>
+                <a:gd name="T57" fmla="*/ 76 h 79"/>
+                <a:gd name="T58" fmla="*/ 681 w 772"/>
+                <a:gd name="T59" fmla="*/ 79 h 79"/>
+                <a:gd name="T60" fmla="*/ 660 w 772"/>
+                <a:gd name="T61" fmla="*/ 79 h 79"/>
+                <a:gd name="T62" fmla="*/ 660 w 772"/>
+                <a:gd name="T63" fmla="*/ 79 h 79"/>
+                <a:gd name="T64" fmla="*/ 660 w 772"/>
+                <a:gd name="T65" fmla="*/ 79 h 79"/>
               </a:gdLst>
               <a:ahLst/>
               <a:cxnLst>
@@ -4968,105 +5259,111 @@
                 <a:cxn ang="0">
                   <a:pos x="T62" y="T63"/>
                 </a:cxn>
+                <a:cxn ang="0">
+                  <a:pos x="T64" y="T65"/>
+                </a:cxn>
               </a:cxnLst>
               <a:rect l="0" t="0" r="r" b="b"/>
               <a:pathLst>
-                <a:path w="626" h="65">
+                <a:path w="772" h="79">
                   <a:moveTo>
-                    <a:pt x="536" y="65"/>
+                    <a:pt x="660" y="79"/>
                   </a:moveTo>
                   <a:lnTo>
-                    <a:pt x="536" y="65"/>
-                  </a:lnTo>
-                  <a:lnTo>
-                    <a:pt x="313" y="65"/>
-                  </a:lnTo>
-                  <a:lnTo>
-                    <a:pt x="313" y="65"/>
-                  </a:lnTo>
-                  <a:lnTo>
-                    <a:pt x="90" y="65"/>
-                  </a:lnTo>
-                  <a:lnTo>
-                    <a:pt x="90" y="65"/>
-                  </a:lnTo>
-                  <a:lnTo>
-                    <a:pt x="74" y="65"/>
-                  </a:lnTo>
-                  <a:lnTo>
-                    <a:pt x="60" y="62"/>
-                  </a:lnTo>
-                  <a:lnTo>
-                    <a:pt x="49" y="59"/>
-                  </a:lnTo>
-                  <a:lnTo>
-                    <a:pt x="38" y="56"/>
-                  </a:lnTo>
-                  <a:lnTo>
-                    <a:pt x="30" y="51"/>
-                  </a:lnTo>
-                  <a:lnTo>
-                    <a:pt x="22" y="44"/>
-                  </a:lnTo>
-                  <a:lnTo>
-                    <a:pt x="16" y="38"/>
-                  </a:lnTo>
-                  <a:lnTo>
-                    <a:pt x="11" y="33"/>
-                  </a:lnTo>
-                  <a:lnTo>
-                    <a:pt x="5" y="21"/>
-                  </a:lnTo>
-                  <a:lnTo>
-                    <a:pt x="2" y="11"/>
+                    <a:pt x="660" y="79"/>
+                  </a:lnTo>
+                  <a:lnTo>
+                    <a:pt x="386" y="79"/>
+                  </a:lnTo>
+                  <a:lnTo>
+                    <a:pt x="386" y="79"/>
+                  </a:lnTo>
+                  <a:lnTo>
+                    <a:pt x="110" y="79"/>
+                  </a:lnTo>
+                  <a:lnTo>
+                    <a:pt x="110" y="79"/>
+                  </a:lnTo>
+                  <a:lnTo>
+                    <a:pt x="91" y="79"/>
+                  </a:lnTo>
+                  <a:lnTo>
+                    <a:pt x="74" y="76"/>
+                  </a:lnTo>
+                  <a:lnTo>
+                    <a:pt x="60" y="70"/>
+                  </a:lnTo>
+                  <a:lnTo>
+                    <a:pt x="47" y="67"/>
+                  </a:lnTo>
+                  <a:lnTo>
+                    <a:pt x="36" y="62"/>
+                  </a:lnTo>
+                  <a:lnTo>
+                    <a:pt x="28" y="53"/>
+                  </a:lnTo>
+                  <a:lnTo>
+                    <a:pt x="19" y="46"/>
+                  </a:lnTo>
+                  <a:lnTo>
+                    <a:pt x="14" y="39"/>
+                  </a:lnTo>
+                  <a:lnTo>
+                    <a:pt x="5" y="24"/>
+                  </a:lnTo>
+                  <a:lnTo>
+                    <a:pt x="2" y="14"/>
                   </a:lnTo>
                   <a:lnTo>
                     <a:pt x="0" y="0"/>
                   </a:lnTo>
                   <a:lnTo>
-                    <a:pt x="313" y="0"/>
-                  </a:lnTo>
-                  <a:lnTo>
-                    <a:pt x="626" y="0"/>
-                  </a:lnTo>
-                  <a:lnTo>
-                    <a:pt x="626" y="0"/>
-                  </a:lnTo>
-                  <a:lnTo>
-                    <a:pt x="624" y="11"/>
-                  </a:lnTo>
-                  <a:lnTo>
-                    <a:pt x="621" y="21"/>
-                  </a:lnTo>
-                  <a:lnTo>
-                    <a:pt x="615" y="33"/>
-                  </a:lnTo>
-                  <a:lnTo>
-                    <a:pt x="610" y="38"/>
-                  </a:lnTo>
-                  <a:lnTo>
-                    <a:pt x="603" y="44"/>
-                  </a:lnTo>
-                  <a:lnTo>
-                    <a:pt x="596" y="51"/>
-                  </a:lnTo>
-                  <a:lnTo>
-                    <a:pt x="588" y="56"/>
-                  </a:lnTo>
-                  <a:lnTo>
-                    <a:pt x="577" y="59"/>
-                  </a:lnTo>
-                  <a:lnTo>
-                    <a:pt x="566" y="62"/>
-                  </a:lnTo>
-                  <a:lnTo>
-                    <a:pt x="551" y="65"/>
-                  </a:lnTo>
-                  <a:lnTo>
-                    <a:pt x="536" y="65"/>
-                  </a:lnTo>
-                  <a:lnTo>
-                    <a:pt x="536" y="65"/>
+                    <a:pt x="386" y="0"/>
+                  </a:lnTo>
+                  <a:lnTo>
+                    <a:pt x="772" y="0"/>
+                  </a:lnTo>
+                  <a:lnTo>
+                    <a:pt x="772" y="0"/>
+                  </a:lnTo>
+                  <a:lnTo>
+                    <a:pt x="770" y="14"/>
+                  </a:lnTo>
+                  <a:lnTo>
+                    <a:pt x="765" y="24"/>
+                  </a:lnTo>
+                  <a:lnTo>
+                    <a:pt x="758" y="39"/>
+                  </a:lnTo>
+                  <a:lnTo>
+                    <a:pt x="751" y="46"/>
+                  </a:lnTo>
+                  <a:lnTo>
+                    <a:pt x="744" y="53"/>
+                  </a:lnTo>
+                  <a:lnTo>
+                    <a:pt x="734" y="62"/>
+                  </a:lnTo>
+                  <a:lnTo>
+                    <a:pt x="725" y="67"/>
+                  </a:lnTo>
+                  <a:lnTo>
+                    <a:pt x="712" y="70"/>
+                  </a:lnTo>
+                  <a:lnTo>
+                    <a:pt x="698" y="76"/>
+                  </a:lnTo>
+                  <a:lnTo>
+                    <a:pt x="681" y="79"/>
+                  </a:lnTo>
+                  <a:lnTo>
+                    <a:pt x="660" y="79"/>
+                  </a:lnTo>
+                  <a:lnTo>
+                    <a:pt x="660" y="79"/>
+                  </a:lnTo>
+                  <a:lnTo>
+                    <a:pt x="660" y="79"/>
                   </a:lnTo>
                   <a:close/>
                 </a:path>
@@ -5103,7 +5400,7 @@
         </p:sp>
         <p:sp>
           <p:nvSpPr>
-            <p:cNvPr id="25" name="Freeform 16"/>
+            <p:cNvPr id="28" name="Freeform 12"/>
             <p:cNvSpPr>
               <a:spLocks noEditPoints="1"/>
             </p:cNvSpPr>
@@ -5111,114 +5408,118 @@
           </p:nvSpPr>
           <p:spPr bwMode="auto">
             <a:xfrm>
-              <a:off x="1590675" y="5327650"/>
-              <a:ext cx="496888" cy="52388"/>
+              <a:off x="1316038" y="4546600"/>
+              <a:ext cx="612775" cy="65087"/>
             </a:xfrm>
             <a:custGeom>
               <a:avLst/>
               <a:gdLst>
-                <a:gd name="T0" fmla="*/ 536 w 626"/>
-                <a:gd name="T1" fmla="*/ 0 h 67"/>
-                <a:gd name="T2" fmla="*/ 313 w 626"/>
-                <a:gd name="T3" fmla="*/ 0 h 67"/>
-                <a:gd name="T4" fmla="*/ 90 w 626"/>
-                <a:gd name="T5" fmla="*/ 0 h 67"/>
-                <a:gd name="T6" fmla="*/ 60 w 626"/>
-                <a:gd name="T7" fmla="*/ 4 h 67"/>
-                <a:gd name="T8" fmla="*/ 38 w 626"/>
-                <a:gd name="T9" fmla="*/ 10 h 67"/>
-                <a:gd name="T10" fmla="*/ 22 w 626"/>
-                <a:gd name="T11" fmla="*/ 21 h 67"/>
-                <a:gd name="T12" fmla="*/ 11 w 626"/>
-                <a:gd name="T13" fmla="*/ 34 h 67"/>
-                <a:gd name="T14" fmla="*/ 2 w 626"/>
-                <a:gd name="T15" fmla="*/ 56 h 67"/>
-                <a:gd name="T16" fmla="*/ 313 w 626"/>
-                <a:gd name="T17" fmla="*/ 67 h 67"/>
-                <a:gd name="T18" fmla="*/ 626 w 626"/>
-                <a:gd name="T19" fmla="*/ 67 h 67"/>
-                <a:gd name="T20" fmla="*/ 621 w 626"/>
-                <a:gd name="T21" fmla="*/ 46 h 67"/>
-                <a:gd name="T22" fmla="*/ 610 w 626"/>
-                <a:gd name="T23" fmla="*/ 27 h 67"/>
-                <a:gd name="T24" fmla="*/ 596 w 626"/>
-                <a:gd name="T25" fmla="*/ 16 h 67"/>
-                <a:gd name="T26" fmla="*/ 577 w 626"/>
-                <a:gd name="T27" fmla="*/ 7 h 67"/>
-                <a:gd name="T28" fmla="*/ 551 w 626"/>
-                <a:gd name="T29" fmla="*/ 0 h 67"/>
-                <a:gd name="T30" fmla="*/ 536 w 626"/>
-                <a:gd name="T31" fmla="*/ 0 h 67"/>
-                <a:gd name="T32" fmla="*/ 144 w 626"/>
-                <a:gd name="T33" fmla="*/ 45 h 67"/>
-                <a:gd name="T34" fmla="*/ 141 w 626"/>
-                <a:gd name="T35" fmla="*/ 43 h 67"/>
-                <a:gd name="T36" fmla="*/ 136 w 626"/>
-                <a:gd name="T37" fmla="*/ 38 h 67"/>
-                <a:gd name="T38" fmla="*/ 134 w 626"/>
-                <a:gd name="T39" fmla="*/ 35 h 67"/>
-                <a:gd name="T40" fmla="*/ 137 w 626"/>
-                <a:gd name="T41" fmla="*/ 27 h 67"/>
-                <a:gd name="T42" fmla="*/ 144 w 626"/>
-                <a:gd name="T43" fmla="*/ 24 h 67"/>
-                <a:gd name="T44" fmla="*/ 158 w 626"/>
-                <a:gd name="T45" fmla="*/ 24 h 67"/>
-                <a:gd name="T46" fmla="*/ 166 w 626"/>
-                <a:gd name="T47" fmla="*/ 27 h 67"/>
-                <a:gd name="T48" fmla="*/ 169 w 626"/>
-                <a:gd name="T49" fmla="*/ 35 h 67"/>
-                <a:gd name="T50" fmla="*/ 167 w 626"/>
-                <a:gd name="T51" fmla="*/ 38 h 67"/>
-                <a:gd name="T52" fmla="*/ 163 w 626"/>
-                <a:gd name="T53" fmla="*/ 43 h 67"/>
-                <a:gd name="T54" fmla="*/ 158 w 626"/>
-                <a:gd name="T55" fmla="*/ 45 h 67"/>
-                <a:gd name="T56" fmla="*/ 226 w 626"/>
-                <a:gd name="T57" fmla="*/ 35 h 67"/>
-                <a:gd name="T58" fmla="*/ 224 w 626"/>
-                <a:gd name="T59" fmla="*/ 41 h 67"/>
-                <a:gd name="T60" fmla="*/ 218 w 626"/>
-                <a:gd name="T61" fmla="*/ 45 h 67"/>
-                <a:gd name="T62" fmla="*/ 213 w 626"/>
-                <a:gd name="T63" fmla="*/ 43 h 67"/>
-                <a:gd name="T64" fmla="*/ 209 w 626"/>
-                <a:gd name="T65" fmla="*/ 38 h 67"/>
-                <a:gd name="T66" fmla="*/ 209 w 626"/>
-                <a:gd name="T67" fmla="*/ 34 h 67"/>
-                <a:gd name="T68" fmla="*/ 209 w 626"/>
-                <a:gd name="T69" fmla="*/ 30 h 67"/>
-                <a:gd name="T70" fmla="*/ 213 w 626"/>
-                <a:gd name="T71" fmla="*/ 26 h 67"/>
-                <a:gd name="T72" fmla="*/ 218 w 626"/>
-                <a:gd name="T73" fmla="*/ 24 h 67"/>
-                <a:gd name="T74" fmla="*/ 224 w 626"/>
-                <a:gd name="T75" fmla="*/ 27 h 67"/>
-                <a:gd name="T76" fmla="*/ 226 w 626"/>
-                <a:gd name="T77" fmla="*/ 34 h 67"/>
-                <a:gd name="T78" fmla="*/ 370 w 626"/>
-                <a:gd name="T79" fmla="*/ 40 h 67"/>
-                <a:gd name="T80" fmla="*/ 256 w 626"/>
-                <a:gd name="T81" fmla="*/ 40 h 67"/>
-                <a:gd name="T82" fmla="*/ 251 w 626"/>
-                <a:gd name="T83" fmla="*/ 38 h 67"/>
-                <a:gd name="T84" fmla="*/ 248 w 626"/>
-                <a:gd name="T85" fmla="*/ 32 h 67"/>
-                <a:gd name="T86" fmla="*/ 250 w 626"/>
-                <a:gd name="T87" fmla="*/ 29 h 67"/>
-                <a:gd name="T88" fmla="*/ 253 w 626"/>
-                <a:gd name="T89" fmla="*/ 26 h 67"/>
-                <a:gd name="T90" fmla="*/ 370 w 626"/>
-                <a:gd name="T91" fmla="*/ 24 h 67"/>
-                <a:gd name="T92" fmla="*/ 373 w 626"/>
-                <a:gd name="T93" fmla="*/ 26 h 67"/>
-                <a:gd name="T94" fmla="*/ 376 w 626"/>
-                <a:gd name="T95" fmla="*/ 29 h 67"/>
-                <a:gd name="T96" fmla="*/ 378 w 626"/>
-                <a:gd name="T97" fmla="*/ 32 h 67"/>
-                <a:gd name="T98" fmla="*/ 374 w 626"/>
-                <a:gd name="T99" fmla="*/ 38 h 67"/>
-                <a:gd name="T100" fmla="*/ 370 w 626"/>
-                <a:gd name="T101" fmla="*/ 40 h 67"/>
+                <a:gd name="T0" fmla="*/ 660 w 772"/>
+                <a:gd name="T1" fmla="*/ 0 h 82"/>
+                <a:gd name="T2" fmla="*/ 386 w 772"/>
+                <a:gd name="T3" fmla="*/ 0 h 82"/>
+                <a:gd name="T4" fmla="*/ 110 w 772"/>
+                <a:gd name="T5" fmla="*/ 0 h 82"/>
+                <a:gd name="T6" fmla="*/ 74 w 772"/>
+                <a:gd name="T7" fmla="*/ 5 h 82"/>
+                <a:gd name="T8" fmla="*/ 47 w 772"/>
+                <a:gd name="T9" fmla="*/ 12 h 82"/>
+                <a:gd name="T10" fmla="*/ 28 w 772"/>
+                <a:gd name="T11" fmla="*/ 25 h 82"/>
+                <a:gd name="T12" fmla="*/ 14 w 772"/>
+                <a:gd name="T13" fmla="*/ 41 h 82"/>
+                <a:gd name="T14" fmla="*/ 2 w 772"/>
+                <a:gd name="T15" fmla="*/ 69 h 82"/>
+                <a:gd name="T16" fmla="*/ 386 w 772"/>
+                <a:gd name="T17" fmla="*/ 82 h 82"/>
+                <a:gd name="T18" fmla="*/ 772 w 772"/>
+                <a:gd name="T19" fmla="*/ 82 h 82"/>
+                <a:gd name="T20" fmla="*/ 765 w 772"/>
+                <a:gd name="T21" fmla="*/ 56 h 82"/>
+                <a:gd name="T22" fmla="*/ 751 w 772"/>
+                <a:gd name="T23" fmla="*/ 34 h 82"/>
+                <a:gd name="T24" fmla="*/ 734 w 772"/>
+                <a:gd name="T25" fmla="*/ 20 h 82"/>
+                <a:gd name="T26" fmla="*/ 712 w 772"/>
+                <a:gd name="T27" fmla="*/ 8 h 82"/>
+                <a:gd name="T28" fmla="*/ 681 w 772"/>
+                <a:gd name="T29" fmla="*/ 0 h 82"/>
+                <a:gd name="T30" fmla="*/ 660 w 772"/>
+                <a:gd name="T31" fmla="*/ 0 h 82"/>
+                <a:gd name="T32" fmla="*/ 195 w 772"/>
+                <a:gd name="T33" fmla="*/ 55 h 82"/>
+                <a:gd name="T34" fmla="*/ 177 w 772"/>
+                <a:gd name="T35" fmla="*/ 55 h 82"/>
+                <a:gd name="T36" fmla="*/ 169 w 772"/>
+                <a:gd name="T37" fmla="*/ 51 h 82"/>
+                <a:gd name="T38" fmla="*/ 165 w 772"/>
+                <a:gd name="T39" fmla="*/ 43 h 82"/>
+                <a:gd name="T40" fmla="*/ 167 w 772"/>
+                <a:gd name="T41" fmla="*/ 38 h 82"/>
+                <a:gd name="T42" fmla="*/ 174 w 772"/>
+                <a:gd name="T43" fmla="*/ 31 h 82"/>
+                <a:gd name="T44" fmla="*/ 195 w 772"/>
+                <a:gd name="T45" fmla="*/ 29 h 82"/>
+                <a:gd name="T46" fmla="*/ 200 w 772"/>
+                <a:gd name="T47" fmla="*/ 31 h 82"/>
+                <a:gd name="T48" fmla="*/ 207 w 772"/>
+                <a:gd name="T49" fmla="*/ 38 h 82"/>
+                <a:gd name="T50" fmla="*/ 209 w 772"/>
+                <a:gd name="T51" fmla="*/ 43 h 82"/>
+                <a:gd name="T52" fmla="*/ 205 w 772"/>
+                <a:gd name="T53" fmla="*/ 51 h 82"/>
+                <a:gd name="T54" fmla="*/ 195 w 772"/>
+                <a:gd name="T55" fmla="*/ 55 h 82"/>
+                <a:gd name="T56" fmla="*/ 195 w 772"/>
+                <a:gd name="T57" fmla="*/ 55 h 82"/>
+                <a:gd name="T58" fmla="*/ 279 w 772"/>
+                <a:gd name="T59" fmla="*/ 43 h 82"/>
+                <a:gd name="T60" fmla="*/ 277 w 772"/>
+                <a:gd name="T61" fmla="*/ 51 h 82"/>
+                <a:gd name="T62" fmla="*/ 269 w 772"/>
+                <a:gd name="T63" fmla="*/ 55 h 82"/>
+                <a:gd name="T64" fmla="*/ 264 w 772"/>
+                <a:gd name="T65" fmla="*/ 53 h 82"/>
+                <a:gd name="T66" fmla="*/ 257 w 772"/>
+                <a:gd name="T67" fmla="*/ 46 h 82"/>
+                <a:gd name="T68" fmla="*/ 257 w 772"/>
+                <a:gd name="T69" fmla="*/ 41 h 82"/>
+                <a:gd name="T70" fmla="*/ 257 w 772"/>
+                <a:gd name="T71" fmla="*/ 38 h 82"/>
+                <a:gd name="T72" fmla="*/ 264 w 772"/>
+                <a:gd name="T73" fmla="*/ 31 h 82"/>
+                <a:gd name="T74" fmla="*/ 269 w 772"/>
+                <a:gd name="T75" fmla="*/ 29 h 82"/>
+                <a:gd name="T76" fmla="*/ 277 w 772"/>
+                <a:gd name="T77" fmla="*/ 34 h 82"/>
+                <a:gd name="T78" fmla="*/ 279 w 772"/>
+                <a:gd name="T79" fmla="*/ 41 h 82"/>
+                <a:gd name="T80" fmla="*/ 279 w 772"/>
+                <a:gd name="T81" fmla="*/ 43 h 82"/>
+                <a:gd name="T82" fmla="*/ 315 w 772"/>
+                <a:gd name="T83" fmla="*/ 50 h 82"/>
+                <a:gd name="T84" fmla="*/ 312 w 772"/>
+                <a:gd name="T85" fmla="*/ 50 h 82"/>
+                <a:gd name="T86" fmla="*/ 308 w 772"/>
+                <a:gd name="T87" fmla="*/ 43 h 82"/>
+                <a:gd name="T88" fmla="*/ 305 w 772"/>
+                <a:gd name="T89" fmla="*/ 39 h 82"/>
+                <a:gd name="T90" fmla="*/ 310 w 772"/>
+                <a:gd name="T91" fmla="*/ 34 h 82"/>
+                <a:gd name="T92" fmla="*/ 315 w 772"/>
+                <a:gd name="T93" fmla="*/ 29 h 82"/>
+                <a:gd name="T94" fmla="*/ 457 w 772"/>
+                <a:gd name="T95" fmla="*/ 29 h 82"/>
+                <a:gd name="T96" fmla="*/ 462 w 772"/>
+                <a:gd name="T97" fmla="*/ 34 h 82"/>
+                <a:gd name="T98" fmla="*/ 465 w 772"/>
+                <a:gd name="T99" fmla="*/ 39 h 82"/>
+                <a:gd name="T100" fmla="*/ 464 w 772"/>
+                <a:gd name="T101" fmla="*/ 43 h 82"/>
+                <a:gd name="T102" fmla="*/ 460 w 772"/>
+                <a:gd name="T103" fmla="*/ 50 h 82"/>
+                <a:gd name="T104" fmla="*/ 457 w 772"/>
+                <a:gd name="T105" fmla="*/ 50 h 82"/>
               </a:gdLst>
               <a:ahLst/>
               <a:cxnLst>
@@ -5375,321 +5676,339 @@
                 <a:cxn ang="0">
                   <a:pos x="T100" y="T101"/>
                 </a:cxn>
+                <a:cxn ang="0">
+                  <a:pos x="T102" y="T103"/>
+                </a:cxn>
+                <a:cxn ang="0">
+                  <a:pos x="T104" y="T105"/>
+                </a:cxn>
               </a:cxnLst>
               <a:rect l="0" t="0" r="r" b="b"/>
               <a:pathLst>
-                <a:path w="626" h="67">
+                <a:path w="772" h="82">
                   <a:moveTo>
-                    <a:pt x="536" y="0"/>
+                    <a:pt x="660" y="0"/>
                   </a:moveTo>
                   <a:lnTo>
-                    <a:pt x="536" y="0"/>
-                  </a:lnTo>
-                  <a:lnTo>
-                    <a:pt x="313" y="0"/>
-                  </a:lnTo>
-                  <a:lnTo>
-                    <a:pt x="313" y="0"/>
-                  </a:lnTo>
-                  <a:lnTo>
-                    <a:pt x="90" y="0"/>
-                  </a:lnTo>
-                  <a:lnTo>
-                    <a:pt x="90" y="0"/>
-                  </a:lnTo>
-                  <a:lnTo>
-                    <a:pt x="74" y="0"/>
-                  </a:lnTo>
-                  <a:lnTo>
-                    <a:pt x="60" y="4"/>
-                  </a:lnTo>
-                  <a:lnTo>
-                    <a:pt x="49" y="7"/>
-                  </a:lnTo>
-                  <a:lnTo>
-                    <a:pt x="38" y="10"/>
-                  </a:lnTo>
-                  <a:lnTo>
-                    <a:pt x="30" y="16"/>
-                  </a:lnTo>
-                  <a:lnTo>
-                    <a:pt x="22" y="21"/>
-                  </a:lnTo>
-                  <a:lnTo>
-                    <a:pt x="16" y="27"/>
-                  </a:lnTo>
-                  <a:lnTo>
-                    <a:pt x="11" y="34"/>
-                  </a:lnTo>
-                  <a:lnTo>
-                    <a:pt x="5" y="46"/>
-                  </a:lnTo>
-                  <a:lnTo>
-                    <a:pt x="2" y="56"/>
-                  </a:lnTo>
-                  <a:lnTo>
-                    <a:pt x="0" y="67"/>
-                  </a:lnTo>
-                  <a:lnTo>
-                    <a:pt x="313" y="67"/>
-                  </a:lnTo>
-                  <a:lnTo>
-                    <a:pt x="626" y="67"/>
-                  </a:lnTo>
-                  <a:lnTo>
-                    <a:pt x="626" y="67"/>
-                  </a:lnTo>
-                  <a:lnTo>
-                    <a:pt x="624" y="56"/>
-                  </a:lnTo>
-                  <a:lnTo>
-                    <a:pt x="621" y="46"/>
-                  </a:lnTo>
-                  <a:lnTo>
-                    <a:pt x="615" y="34"/>
-                  </a:lnTo>
-                  <a:lnTo>
-                    <a:pt x="610" y="27"/>
-                  </a:lnTo>
-                  <a:lnTo>
-                    <a:pt x="603" y="21"/>
-                  </a:lnTo>
-                  <a:lnTo>
-                    <a:pt x="596" y="16"/>
-                  </a:lnTo>
-                  <a:lnTo>
-                    <a:pt x="588" y="10"/>
-                  </a:lnTo>
-                  <a:lnTo>
-                    <a:pt x="577" y="7"/>
-                  </a:lnTo>
-                  <a:lnTo>
-                    <a:pt x="566" y="4"/>
-                  </a:lnTo>
-                  <a:lnTo>
-                    <a:pt x="551" y="0"/>
-                  </a:lnTo>
-                  <a:lnTo>
-                    <a:pt x="536" y="0"/>
-                  </a:lnTo>
-                  <a:lnTo>
-                    <a:pt x="536" y="0"/>
+                    <a:pt x="660" y="0"/>
+                  </a:lnTo>
+                  <a:lnTo>
+                    <a:pt x="386" y="0"/>
+                  </a:lnTo>
+                  <a:lnTo>
+                    <a:pt x="386" y="0"/>
+                  </a:lnTo>
+                  <a:lnTo>
+                    <a:pt x="110" y="0"/>
+                  </a:lnTo>
+                  <a:lnTo>
+                    <a:pt x="110" y="0"/>
+                  </a:lnTo>
+                  <a:lnTo>
+                    <a:pt x="91" y="0"/>
+                  </a:lnTo>
+                  <a:lnTo>
+                    <a:pt x="74" y="5"/>
+                  </a:lnTo>
+                  <a:lnTo>
+                    <a:pt x="60" y="8"/>
+                  </a:lnTo>
+                  <a:lnTo>
+                    <a:pt x="47" y="12"/>
+                  </a:lnTo>
+                  <a:lnTo>
+                    <a:pt x="36" y="20"/>
+                  </a:lnTo>
+                  <a:lnTo>
+                    <a:pt x="28" y="25"/>
+                  </a:lnTo>
+                  <a:lnTo>
+                    <a:pt x="19" y="34"/>
+                  </a:lnTo>
+                  <a:lnTo>
+                    <a:pt x="14" y="41"/>
+                  </a:lnTo>
+                  <a:lnTo>
+                    <a:pt x="5" y="56"/>
+                  </a:lnTo>
+                  <a:lnTo>
+                    <a:pt x="2" y="69"/>
+                  </a:lnTo>
+                  <a:lnTo>
+                    <a:pt x="0" y="82"/>
+                  </a:lnTo>
+                  <a:lnTo>
+                    <a:pt x="386" y="82"/>
+                  </a:lnTo>
+                  <a:lnTo>
+                    <a:pt x="772" y="82"/>
+                  </a:lnTo>
+                  <a:lnTo>
+                    <a:pt x="772" y="82"/>
+                  </a:lnTo>
+                  <a:lnTo>
+                    <a:pt x="770" y="69"/>
+                  </a:lnTo>
+                  <a:lnTo>
+                    <a:pt x="765" y="56"/>
+                  </a:lnTo>
+                  <a:lnTo>
+                    <a:pt x="758" y="41"/>
+                  </a:lnTo>
+                  <a:lnTo>
+                    <a:pt x="751" y="34"/>
+                  </a:lnTo>
+                  <a:lnTo>
+                    <a:pt x="744" y="25"/>
+                  </a:lnTo>
+                  <a:lnTo>
+                    <a:pt x="734" y="20"/>
+                  </a:lnTo>
+                  <a:lnTo>
+                    <a:pt x="725" y="12"/>
+                  </a:lnTo>
+                  <a:lnTo>
+                    <a:pt x="712" y="8"/>
+                  </a:lnTo>
+                  <a:lnTo>
+                    <a:pt x="698" y="5"/>
+                  </a:lnTo>
+                  <a:lnTo>
+                    <a:pt x="681" y="0"/>
+                  </a:lnTo>
+                  <a:lnTo>
+                    <a:pt x="660" y="0"/>
+                  </a:lnTo>
+                  <a:lnTo>
+                    <a:pt x="660" y="0"/>
+                  </a:lnTo>
+                  <a:lnTo>
+                    <a:pt x="660" y="0"/>
                   </a:lnTo>
                   <a:close/>
                   <a:moveTo>
-                    <a:pt x="158" y="45"/>
+                    <a:pt x="195" y="55"/>
                   </a:moveTo>
                   <a:lnTo>
-                    <a:pt x="144" y="45"/>
-                  </a:lnTo>
-                  <a:lnTo>
-                    <a:pt x="144" y="45"/>
-                  </a:lnTo>
-                  <a:lnTo>
-                    <a:pt x="141" y="43"/>
-                  </a:lnTo>
-                  <a:lnTo>
-                    <a:pt x="137" y="41"/>
-                  </a:lnTo>
-                  <a:lnTo>
-                    <a:pt x="136" y="38"/>
-                  </a:lnTo>
-                  <a:lnTo>
-                    <a:pt x="134" y="35"/>
-                  </a:lnTo>
-                  <a:lnTo>
-                    <a:pt x="134" y="35"/>
-                  </a:lnTo>
-                  <a:lnTo>
-                    <a:pt x="136" y="30"/>
-                  </a:lnTo>
-                  <a:lnTo>
-                    <a:pt x="137" y="27"/>
-                  </a:lnTo>
-                  <a:lnTo>
-                    <a:pt x="141" y="26"/>
-                  </a:lnTo>
-                  <a:lnTo>
-                    <a:pt x="144" y="24"/>
-                  </a:lnTo>
-                  <a:lnTo>
-                    <a:pt x="158" y="24"/>
-                  </a:lnTo>
-                  <a:lnTo>
-                    <a:pt x="158" y="24"/>
-                  </a:lnTo>
-                  <a:lnTo>
-                    <a:pt x="163" y="26"/>
-                  </a:lnTo>
-                  <a:lnTo>
-                    <a:pt x="166" y="27"/>
-                  </a:lnTo>
-                  <a:lnTo>
-                    <a:pt x="167" y="30"/>
-                  </a:lnTo>
-                  <a:lnTo>
-                    <a:pt x="169" y="35"/>
-                  </a:lnTo>
-                  <a:lnTo>
-                    <a:pt x="169" y="35"/>
+                    <a:pt x="177" y="55"/>
+                  </a:lnTo>
+                  <a:lnTo>
+                    <a:pt x="177" y="55"/>
+                  </a:lnTo>
+                  <a:lnTo>
+                    <a:pt x="174" y="53"/>
+                  </a:lnTo>
+                  <a:lnTo>
+                    <a:pt x="169" y="51"/>
+                  </a:lnTo>
+                  <a:lnTo>
+                    <a:pt x="167" y="46"/>
+                  </a:lnTo>
+                  <a:lnTo>
+                    <a:pt x="165" y="43"/>
+                  </a:lnTo>
+                  <a:lnTo>
+                    <a:pt x="165" y="43"/>
                   </a:lnTo>
                   <a:lnTo>
                     <a:pt x="167" y="38"/>
                   </a:lnTo>
                   <a:lnTo>
-                    <a:pt x="166" y="41"/>
-                  </a:lnTo>
-                  <a:lnTo>
-                    <a:pt x="163" y="43"/>
-                  </a:lnTo>
-                  <a:lnTo>
-                    <a:pt x="158" y="45"/>
-                  </a:lnTo>
-                  <a:lnTo>
-                    <a:pt x="158" y="45"/>
+                    <a:pt x="169" y="34"/>
+                  </a:lnTo>
+                  <a:lnTo>
+                    <a:pt x="174" y="31"/>
+                  </a:lnTo>
+                  <a:lnTo>
+                    <a:pt x="177" y="29"/>
+                  </a:lnTo>
+                  <a:lnTo>
+                    <a:pt x="195" y="29"/>
+                  </a:lnTo>
+                  <a:lnTo>
+                    <a:pt x="195" y="29"/>
+                  </a:lnTo>
+                  <a:lnTo>
+                    <a:pt x="200" y="31"/>
+                  </a:lnTo>
+                  <a:lnTo>
+                    <a:pt x="205" y="34"/>
+                  </a:lnTo>
+                  <a:lnTo>
+                    <a:pt x="207" y="38"/>
+                  </a:lnTo>
+                  <a:lnTo>
+                    <a:pt x="209" y="43"/>
+                  </a:lnTo>
+                  <a:lnTo>
+                    <a:pt x="209" y="43"/>
+                  </a:lnTo>
+                  <a:lnTo>
+                    <a:pt x="207" y="46"/>
+                  </a:lnTo>
+                  <a:lnTo>
+                    <a:pt x="205" y="51"/>
+                  </a:lnTo>
+                  <a:lnTo>
+                    <a:pt x="200" y="53"/>
+                  </a:lnTo>
+                  <a:lnTo>
+                    <a:pt x="195" y="55"/>
+                  </a:lnTo>
+                  <a:lnTo>
+                    <a:pt x="195" y="55"/>
+                  </a:lnTo>
+                  <a:lnTo>
+                    <a:pt x="195" y="55"/>
                   </a:lnTo>
                   <a:close/>
                   <a:moveTo>
-                    <a:pt x="226" y="35"/>
+                    <a:pt x="279" y="43"/>
                   </a:moveTo>
                   <a:lnTo>
-                    <a:pt x="226" y="35"/>
-                  </a:lnTo>
-                  <a:lnTo>
-                    <a:pt x="226" y="38"/>
-                  </a:lnTo>
-                  <a:lnTo>
-                    <a:pt x="224" y="41"/>
-                  </a:lnTo>
-                  <a:lnTo>
-                    <a:pt x="221" y="43"/>
-                  </a:lnTo>
-                  <a:lnTo>
-                    <a:pt x="218" y="45"/>
-                  </a:lnTo>
-                  <a:lnTo>
-                    <a:pt x="218" y="45"/>
-                  </a:lnTo>
-                  <a:lnTo>
-                    <a:pt x="213" y="43"/>
-                  </a:lnTo>
-                  <a:lnTo>
-                    <a:pt x="212" y="41"/>
-                  </a:lnTo>
-                  <a:lnTo>
-                    <a:pt x="209" y="38"/>
-                  </a:lnTo>
-                  <a:lnTo>
-                    <a:pt x="209" y="35"/>
-                  </a:lnTo>
-                  <a:lnTo>
-                    <a:pt x="209" y="34"/>
-                  </a:lnTo>
-                  <a:lnTo>
-                    <a:pt x="209" y="34"/>
-                  </a:lnTo>
-                  <a:lnTo>
-                    <a:pt x="209" y="30"/>
-                  </a:lnTo>
-                  <a:lnTo>
-                    <a:pt x="212" y="27"/>
-                  </a:lnTo>
-                  <a:lnTo>
-                    <a:pt x="213" y="26"/>
-                  </a:lnTo>
-                  <a:lnTo>
-                    <a:pt x="218" y="24"/>
-                  </a:lnTo>
-                  <a:lnTo>
-                    <a:pt x="218" y="24"/>
-                  </a:lnTo>
-                  <a:lnTo>
-                    <a:pt x="221" y="26"/>
-                  </a:lnTo>
-                  <a:lnTo>
-                    <a:pt x="224" y="27"/>
-                  </a:lnTo>
-                  <a:lnTo>
-                    <a:pt x="226" y="30"/>
-                  </a:lnTo>
-                  <a:lnTo>
-                    <a:pt x="226" y="34"/>
-                  </a:lnTo>
-                  <a:lnTo>
-                    <a:pt x="226" y="35"/>
+                    <a:pt x="279" y="43"/>
+                  </a:lnTo>
+                  <a:lnTo>
+                    <a:pt x="279" y="46"/>
+                  </a:lnTo>
+                  <a:lnTo>
+                    <a:pt x="277" y="51"/>
+                  </a:lnTo>
+                  <a:lnTo>
+                    <a:pt x="272" y="53"/>
+                  </a:lnTo>
+                  <a:lnTo>
+                    <a:pt x="269" y="55"/>
+                  </a:lnTo>
+                  <a:lnTo>
+                    <a:pt x="269" y="55"/>
+                  </a:lnTo>
+                  <a:lnTo>
+                    <a:pt x="264" y="53"/>
+                  </a:lnTo>
+                  <a:lnTo>
+                    <a:pt x="260" y="51"/>
+                  </a:lnTo>
+                  <a:lnTo>
+                    <a:pt x="257" y="46"/>
+                  </a:lnTo>
+                  <a:lnTo>
+                    <a:pt x="257" y="43"/>
+                  </a:lnTo>
+                  <a:lnTo>
+                    <a:pt x="257" y="41"/>
+                  </a:lnTo>
+                  <a:lnTo>
+                    <a:pt x="257" y="41"/>
+                  </a:lnTo>
+                  <a:lnTo>
+                    <a:pt x="257" y="38"/>
+                  </a:lnTo>
+                  <a:lnTo>
+                    <a:pt x="260" y="34"/>
+                  </a:lnTo>
+                  <a:lnTo>
+                    <a:pt x="264" y="31"/>
+                  </a:lnTo>
+                  <a:lnTo>
+                    <a:pt x="269" y="29"/>
+                  </a:lnTo>
+                  <a:lnTo>
+                    <a:pt x="269" y="29"/>
+                  </a:lnTo>
+                  <a:lnTo>
+                    <a:pt x="272" y="31"/>
+                  </a:lnTo>
+                  <a:lnTo>
+                    <a:pt x="277" y="34"/>
+                  </a:lnTo>
+                  <a:lnTo>
+                    <a:pt x="279" y="38"/>
+                  </a:lnTo>
+                  <a:lnTo>
+                    <a:pt x="279" y="41"/>
+                  </a:lnTo>
+                  <a:lnTo>
+                    <a:pt x="279" y="43"/>
+                  </a:lnTo>
+                  <a:lnTo>
+                    <a:pt x="279" y="43"/>
                   </a:lnTo>
                   <a:close/>
                   <a:moveTo>
-                    <a:pt x="370" y="40"/>
+                    <a:pt x="457" y="50"/>
                   </a:moveTo>
                   <a:lnTo>
-                    <a:pt x="256" y="40"/>
-                  </a:lnTo>
-                  <a:lnTo>
-                    <a:pt x="256" y="40"/>
-                  </a:lnTo>
-                  <a:lnTo>
-                    <a:pt x="253" y="40"/>
-                  </a:lnTo>
-                  <a:lnTo>
-                    <a:pt x="251" y="38"/>
-                  </a:lnTo>
-                  <a:lnTo>
-                    <a:pt x="250" y="35"/>
-                  </a:lnTo>
-                  <a:lnTo>
-                    <a:pt x="248" y="32"/>
-                  </a:lnTo>
-                  <a:lnTo>
-                    <a:pt x="248" y="32"/>
-                  </a:lnTo>
-                  <a:lnTo>
-                    <a:pt x="250" y="29"/>
-                  </a:lnTo>
-                  <a:lnTo>
-                    <a:pt x="251" y="27"/>
-                  </a:lnTo>
-                  <a:lnTo>
-                    <a:pt x="253" y="26"/>
-                  </a:lnTo>
-                  <a:lnTo>
-                    <a:pt x="256" y="24"/>
-                  </a:lnTo>
-                  <a:lnTo>
-                    <a:pt x="370" y="24"/>
-                  </a:lnTo>
-                  <a:lnTo>
-                    <a:pt x="370" y="24"/>
-                  </a:lnTo>
-                  <a:lnTo>
-                    <a:pt x="373" y="26"/>
-                  </a:lnTo>
-                  <a:lnTo>
-                    <a:pt x="374" y="27"/>
-                  </a:lnTo>
-                  <a:lnTo>
-                    <a:pt x="376" y="29"/>
-                  </a:lnTo>
-                  <a:lnTo>
-                    <a:pt x="378" y="32"/>
-                  </a:lnTo>
-                  <a:lnTo>
-                    <a:pt x="378" y="32"/>
-                  </a:lnTo>
-                  <a:lnTo>
-                    <a:pt x="376" y="35"/>
-                  </a:lnTo>
-                  <a:lnTo>
-                    <a:pt x="374" y="38"/>
-                  </a:lnTo>
-                  <a:lnTo>
-                    <a:pt x="373" y="40"/>
-                  </a:lnTo>
-                  <a:lnTo>
-                    <a:pt x="370" y="40"/>
-                  </a:lnTo>
-                  <a:lnTo>
-                    <a:pt x="370" y="40"/>
+                    <a:pt x="315" y="50"/>
+                  </a:lnTo>
+                  <a:lnTo>
+                    <a:pt x="315" y="50"/>
+                  </a:lnTo>
+                  <a:lnTo>
+                    <a:pt x="312" y="50"/>
+                  </a:lnTo>
+                  <a:lnTo>
+                    <a:pt x="310" y="46"/>
+                  </a:lnTo>
+                  <a:lnTo>
+                    <a:pt x="308" y="43"/>
+                  </a:lnTo>
+                  <a:lnTo>
+                    <a:pt x="305" y="39"/>
+                  </a:lnTo>
+                  <a:lnTo>
+                    <a:pt x="305" y="39"/>
+                  </a:lnTo>
+                  <a:lnTo>
+                    <a:pt x="308" y="36"/>
+                  </a:lnTo>
+                  <a:lnTo>
+                    <a:pt x="310" y="34"/>
+                  </a:lnTo>
+                  <a:lnTo>
+                    <a:pt x="312" y="31"/>
+                  </a:lnTo>
+                  <a:lnTo>
+                    <a:pt x="315" y="29"/>
+                  </a:lnTo>
+                  <a:lnTo>
+                    <a:pt x="457" y="29"/>
+                  </a:lnTo>
+                  <a:lnTo>
+                    <a:pt x="457" y="29"/>
+                  </a:lnTo>
+                  <a:lnTo>
+                    <a:pt x="460" y="31"/>
+                  </a:lnTo>
+                  <a:lnTo>
+                    <a:pt x="462" y="34"/>
+                  </a:lnTo>
+                  <a:lnTo>
+                    <a:pt x="464" y="36"/>
+                  </a:lnTo>
+                  <a:lnTo>
+                    <a:pt x="465" y="39"/>
+                  </a:lnTo>
+                  <a:lnTo>
+                    <a:pt x="465" y="39"/>
+                  </a:lnTo>
+                  <a:lnTo>
+                    <a:pt x="464" y="43"/>
+                  </a:lnTo>
+                  <a:lnTo>
+                    <a:pt x="462" y="46"/>
+                  </a:lnTo>
+                  <a:lnTo>
+                    <a:pt x="460" y="50"/>
+                  </a:lnTo>
+                  <a:lnTo>
+                    <a:pt x="457" y="50"/>
+                  </a:lnTo>
+                  <a:lnTo>
+                    <a:pt x="457" y="50"/>
+                  </a:lnTo>
+                  <a:lnTo>
+                    <a:pt x="457" y="50"/>
                   </a:lnTo>
                   <a:close/>
                 </a:path>
@@ -5735,6 +6054,9 @@
   <p:clrMapOvr>
     <a:masterClrMapping/>
   </p:clrMapOvr>
+  <p:transition spd="med">
+    <p:wipe/>
+  </p:transition>
   <p:timing>
     <p:tnLst>
       <p:par>
@@ -5801,24 +6123,24 @@
           <a:lstStyle/>
           <a:p>
             <a:r>
-              <a:rPr lang="de-DE" dirty="0" smtClean="0"/>
+              <a:rPr lang="de-DE" smtClean="0"/>
               <a:t>Motivation</a:t>
             </a:r>
           </a:p>
           <a:p>
             <a:r>
-              <a:rPr lang="de-DE" dirty="0" smtClean="0"/>
+              <a:rPr lang="de-DE" smtClean="0"/>
               <a:t>Bedingungen</a:t>
             </a:r>
           </a:p>
           <a:p>
             <a:r>
-              <a:rPr lang="de-DE" dirty="0" smtClean="0"/>
+              <a:rPr lang="de-DE" smtClean="0"/>
               <a:t>Frameworks</a:t>
             </a:r>
           </a:p>
           <a:p>
-            <a:endParaRPr lang="de-DE" dirty="0" smtClean="0"/>
+            <a:endParaRPr lang="de-DE" smtClean="0"/>
           </a:p>
           <a:p>
             <a:endParaRPr lang="de-DE" dirty="0"/>
@@ -5835,6 +6157,9 @@
   <p:clrMapOvr>
     <a:masterClrMapping/>
   </p:clrMapOvr>
+  <p:transition spd="med">
+    <p:wipe/>
+  </p:transition>
   <p:timing>
     <p:tnLst>
       <p:par>
@@ -5914,6 +6239,16 @@
   <p:clrMapOvr>
     <a:masterClrMapping/>
   </p:clrMapOvr>
+  <p:transition spd="med">
+    <p:wipe/>
+  </p:transition>
+  <p:timing>
+    <p:tnLst>
+      <p:par>
+        <p:cTn id="1" dur="indefinite" restart="never" nodeType="tmRoot"/>
+      </p:par>
+    </p:tnLst>
+  </p:timing>
 </p:sld>
 </file>
 
